--- a/Lect_2_Poisson process.pptx
+++ b/Lect_2_Poisson process.pptx
@@ -5,10 +5,10 @@
     <p:sldMasterId id="2147483649" r:id="rId5"/>
   </p:sldMasterIdLst>
   <p:notesMasterIdLst>
-    <p:notesMasterId r:id="rId24"/>
+    <p:notesMasterId r:id="rId27"/>
   </p:notesMasterIdLst>
   <p:handoutMasterIdLst>
-    <p:handoutMasterId r:id="rId25"/>
+    <p:handoutMasterId r:id="rId28"/>
   </p:handoutMasterIdLst>
   <p:sldIdLst>
     <p:sldId id="256" r:id="rId6"/>
@@ -22,13 +22,16 @@
     <p:sldId id="386" r:id="rId14"/>
     <p:sldId id="387" r:id="rId15"/>
     <p:sldId id="920" r:id="rId16"/>
-    <p:sldId id="921" r:id="rId17"/>
-    <p:sldId id="922" r:id="rId18"/>
-    <p:sldId id="923" r:id="rId19"/>
-    <p:sldId id="924" r:id="rId20"/>
-    <p:sldId id="925" r:id="rId21"/>
-    <p:sldId id="284" r:id="rId22"/>
-    <p:sldId id="379" r:id="rId23"/>
+    <p:sldId id="926" r:id="rId17"/>
+    <p:sldId id="927" r:id="rId18"/>
+    <p:sldId id="921" r:id="rId19"/>
+    <p:sldId id="922" r:id="rId20"/>
+    <p:sldId id="928" r:id="rId21"/>
+    <p:sldId id="929" r:id="rId22"/>
+    <p:sldId id="923" r:id="rId23"/>
+    <p:sldId id="924" r:id="rId24"/>
+    <p:sldId id="925" r:id="rId25"/>
+    <p:sldId id="379" r:id="rId26"/>
   </p:sldIdLst>
   <p:sldSz cx="9144000" cy="6858000" type="screen4x3"/>
   <p:notesSz cx="9236075" cy="7010400"/>
@@ -258,7 +261,7 @@
           <a:p>
             <a:fld id="{5596585D-6C38-4FC7-9105-42B20B8E3710}" type="datetimeFigureOut">
               <a:rPr lang="en-US" smtClean="0"/>
-              <a:t>7/17/2023</a:t>
+              <a:t>8/20/2023</a:t>
             </a:fld>
             <a:endParaRPr lang="en-US"/>
           </a:p>
@@ -435,7 +438,7 @@
               <a:pPr>
                 <a:defRPr/>
               </a:pPr>
-              <a:t>7/17/2023</a:t>
+              <a:t>8/20/2023</a:t>
             </a:fld>
             <a:endParaRPr lang="en-US"/>
           </a:p>
@@ -923,7 +926,7 @@
             </a:extLst>
           </p:cNvPr>
           <p:cNvSpPr>
-            <a:spLocks noRot="1" noChangeArrowheads="1" noTextEdit="1"/>
+            <a:spLocks noGrp="1" noRot="1" noChangeAspect="1" noChangeArrowheads="1" noTextEdit="1"/>
           </p:cNvSpPr>
           <p:nvPr>
             <p:ph type="sldImg"/>
@@ -3878,7 +3881,7 @@
             </a:pPr>
             <a:fld id="{5500F48D-5B12-4E44-A63A-9DA5D5F68140}" type="datetime5">
               <a:rPr lang="en-US" smtClean="0"/>
-              <a:t>17-Jul-23</a:t>
+              <a:t>20-Aug-23</a:t>
             </a:fld>
             <a:endParaRPr lang="en-US"/>
           </a:p>
@@ -4070,7 +4073,7 @@
             </a:pPr>
             <a:fld id="{A5B56310-5EFA-49E8-A861-CF33843217EA}" type="datetime5">
               <a:rPr lang="en-US" smtClean="0"/>
-              <a:t>17-Jul-23</a:t>
+              <a:t>20-Aug-23</a:t>
             </a:fld>
             <a:endParaRPr lang="en-US"/>
           </a:p>
@@ -4276,7 +4279,7 @@
             </a:pPr>
             <a:fld id="{9F82B679-881D-43BC-AA7E-247E52B16015}" type="datetime5">
               <a:rPr lang="en-US" smtClean="0"/>
-              <a:t>17-Jul-23</a:t>
+              <a:t>20-Aug-23</a:t>
             </a:fld>
             <a:endParaRPr lang="en-US"/>
           </a:p>
@@ -4472,7 +4475,7 @@
             </a:pPr>
             <a:fld id="{2AF5996E-93A1-4F6A-8DBB-CDE847FAC071}" type="datetime5">
               <a:rPr lang="en-US" smtClean="0"/>
-              <a:t>17-Jul-23</a:t>
+              <a:t>20-Aug-23</a:t>
             </a:fld>
             <a:endParaRPr lang="en-US"/>
           </a:p>
@@ -4691,7 +4694,7 @@
             </a:pPr>
             <a:fld id="{A36C9E45-88B1-4900-A98F-86FF49AC6DCA}" type="datetime5">
               <a:rPr lang="en-US" smtClean="0"/>
-              <a:t>17-Jul-23</a:t>
+              <a:t>20-Aug-23</a:t>
             </a:fld>
             <a:endParaRPr lang="en-US"/>
           </a:p>
@@ -5004,7 +5007,7 @@
             </a:pPr>
             <a:fld id="{2143691D-C9E9-4717-BA07-4B04CCECA657}" type="datetime5">
               <a:rPr lang="en-US" smtClean="0"/>
-              <a:t>17-Jul-23</a:t>
+              <a:t>20-Aug-23</a:t>
             </a:fld>
             <a:endParaRPr lang="en-US"/>
           </a:p>
@@ -5456,7 +5459,7 @@
             </a:pPr>
             <a:fld id="{D0FB59AC-DFA3-4FC2-94EF-07EB013EFD20}" type="datetime5">
               <a:rPr lang="en-US" smtClean="0"/>
-              <a:t>17-Jul-23</a:t>
+              <a:t>20-Aug-23</a:t>
             </a:fld>
             <a:endParaRPr lang="en-US"/>
           </a:p>
@@ -5601,7 +5604,7 @@
             </a:pPr>
             <a:fld id="{9B85000F-EB5B-4589-B98B-184EC1C3A0FF}" type="datetime5">
               <a:rPr lang="en-US" smtClean="0"/>
-              <a:t>17-Jul-23</a:t>
+              <a:t>20-Aug-23</a:t>
             </a:fld>
             <a:endParaRPr lang="en-US"/>
           </a:p>
@@ -5724,7 +5727,7 @@
             </a:pPr>
             <a:fld id="{488F146F-FF2E-4F52-8E87-0584C41863F6}" type="datetime5">
               <a:rPr lang="en-US" smtClean="0"/>
-              <a:t>17-Jul-23</a:t>
+              <a:t>20-Aug-23</a:t>
             </a:fld>
             <a:endParaRPr lang="en-US"/>
           </a:p>
@@ -6027,7 +6030,7 @@
             </a:pPr>
             <a:fld id="{7AB39081-DC93-4EF6-811A-CD8C8C1D53ED}" type="datetime5">
               <a:rPr lang="en-US" smtClean="0"/>
-              <a:t>17-Jul-23</a:t>
+              <a:t>20-Aug-23</a:t>
             </a:fld>
             <a:endParaRPr lang="en-US"/>
           </a:p>
@@ -6308,7 +6311,7 @@
             </a:pPr>
             <a:fld id="{18E75620-6601-4009-940A-252437109BD6}" type="datetime5">
               <a:rPr lang="en-US" smtClean="0"/>
-              <a:t>17-Jul-23</a:t>
+              <a:t>20-Aug-23</a:t>
             </a:fld>
             <a:endParaRPr lang="en-US"/>
           </a:p>
@@ -9154,7 +9157,7 @@
             </a:pPr>
             <a:fld id="{93533A13-28BA-4790-B96F-7DE4B2D63914}" type="datetime5">
               <a:rPr lang="en-US" smtClean="0"/>
-              <a:t>17-Jul-23</a:t>
+              <a:t>20-Aug-23</a:t>
             </a:fld>
             <a:endParaRPr lang="en-US"/>
           </a:p>
@@ -10262,7 +10265,7 @@
             </a:pPr>
             <a:fld id="{488F146F-FF2E-4F52-8E87-0584C41863F6}" type="datetime5">
               <a:rPr lang="en-US" smtClean="0"/>
-              <a:t>17-Jul-23</a:t>
+              <a:t>20-Aug-23</a:t>
             </a:fld>
             <a:endParaRPr lang="en-US"/>
           </a:p>
@@ -10708,7 +10711,7 @@
             </a:pPr>
             <a:fld id="{488F146F-FF2E-4F52-8E87-0584C41863F6}" type="datetime5">
               <a:rPr lang="en-US" smtClean="0"/>
-              <a:t>17-Jul-23</a:t>
+              <a:t>20-Aug-23</a:t>
             </a:fld>
             <a:endParaRPr lang="en-US"/>
           </a:p>
@@ -10922,6 +10925,620 @@
           <p:cNvPr id="2" name="Date Placeholder 1">
             <a:extLst>
               <a:ext uri="{FF2B5EF4-FFF2-40B4-BE49-F238E27FC236}">
+                <a16:creationId xmlns:a16="http://schemas.microsoft.com/office/drawing/2014/main" id="{582FCD49-E82D-8421-54C0-3ACF7B96E7E1}"/>
+              </a:ext>
+            </a:extLst>
+          </p:cNvPr>
+          <p:cNvSpPr>
+            <a:spLocks noGrp="1"/>
+          </p:cNvSpPr>
+          <p:nvPr>
+            <p:ph type="dt" sz="half" idx="10"/>
+          </p:nvPr>
+        </p:nvSpPr>
+        <p:spPr/>
+        <p:txBody>
+          <a:bodyPr/>
+          <a:lstStyle/>
+          <a:p>
+            <a:pPr>
+              <a:defRPr/>
+            </a:pPr>
+            <a:fld id="{488F146F-FF2E-4F52-8E87-0584C41863F6}" type="datetime5">
+              <a:rPr lang="en-US" smtClean="0"/>
+              <a:t>20-Aug-23</a:t>
+            </a:fld>
+            <a:endParaRPr lang="en-US"/>
+          </a:p>
+        </p:txBody>
+      </p:sp>
+      <p:sp>
+        <p:nvSpPr>
+          <p:cNvPr id="3" name="Footer Placeholder 2">
+            <a:extLst>
+              <a:ext uri="{FF2B5EF4-FFF2-40B4-BE49-F238E27FC236}">
+                <a16:creationId xmlns:a16="http://schemas.microsoft.com/office/drawing/2014/main" id="{A1C7E1C7-773F-83CC-7270-151D6C15F479}"/>
+              </a:ext>
+            </a:extLst>
+          </p:cNvPr>
+          <p:cNvSpPr>
+            <a:spLocks noGrp="1"/>
+          </p:cNvSpPr>
+          <p:nvPr>
+            <p:ph type="ftr" sz="quarter" idx="11"/>
+          </p:nvPr>
+        </p:nvSpPr>
+        <p:spPr/>
+        <p:txBody>
+          <a:bodyPr/>
+          <a:lstStyle/>
+          <a:p>
+            <a:pPr>
+              <a:defRPr/>
+            </a:pPr>
+            <a:r>
+              <a:rPr lang="en-US"/>
+              <a:t>MP9510</a:t>
+            </a:r>
+          </a:p>
+        </p:txBody>
+      </p:sp>
+      <p:sp>
+        <p:nvSpPr>
+          <p:cNvPr id="4" name="Slide Number Placeholder 3">
+            <a:extLst>
+              <a:ext uri="{FF2B5EF4-FFF2-40B4-BE49-F238E27FC236}">
+                <a16:creationId xmlns:a16="http://schemas.microsoft.com/office/drawing/2014/main" id="{BB0E0602-FBFB-80B3-4B06-BA4F46FAE4BF}"/>
+              </a:ext>
+            </a:extLst>
+          </p:cNvPr>
+          <p:cNvSpPr>
+            <a:spLocks noGrp="1"/>
+          </p:cNvSpPr>
+          <p:nvPr>
+            <p:ph type="sldNum" sz="quarter" idx="12"/>
+          </p:nvPr>
+        </p:nvSpPr>
+        <p:spPr/>
+        <p:txBody>
+          <a:bodyPr/>
+          <a:lstStyle/>
+          <a:p>
+            <a:fld id="{CE044D25-0416-42B9-9B68-64245915A2EA}" type="slidenum">
+              <a:rPr lang="en-US" altLang="en-US" smtClean="0"/>
+              <a:pPr/>
+              <a:t>12</a:t>
+            </a:fld>
+            <a:endParaRPr lang="en-US" altLang="en-US"/>
+          </a:p>
+        </p:txBody>
+      </p:sp>
+      <p:sp>
+        <p:nvSpPr>
+          <p:cNvPr id="6" name="TextBox 5">
+            <a:extLst>
+              <a:ext uri="{FF2B5EF4-FFF2-40B4-BE49-F238E27FC236}">
+                <a16:creationId xmlns:a16="http://schemas.microsoft.com/office/drawing/2014/main" id="{4ED4F336-5C1C-E0CD-1943-D8F7D0809A24}"/>
+              </a:ext>
+            </a:extLst>
+          </p:cNvPr>
+          <p:cNvSpPr txBox="1"/>
+          <p:nvPr/>
+        </p:nvSpPr>
+        <p:spPr>
+          <a:xfrm>
+            <a:off x="533400" y="920889"/>
+            <a:ext cx="8305800" cy="5632311"/>
+          </a:xfrm>
+          <a:prstGeom prst="rect">
+            <a:avLst/>
+          </a:prstGeom>
+          <a:noFill/>
+        </p:spPr>
+        <p:txBody>
+          <a:bodyPr wrap="square">
+            <a:spAutoFit/>
+          </a:bodyPr>
+          <a:lstStyle/>
+          <a:p>
+            <a:pPr algn="just"/>
+            <a:r>
+              <a:rPr lang="en-US" sz="1800" b="0" i="0" dirty="0">
+                <a:solidFill>
+                  <a:srgbClr val="374151"/>
+                </a:solidFill>
+                <a:effectLst/>
+                <a:latin typeface="Times New Roman" panose="02020603050405020304" pitchFamily="18" charset="0"/>
+                <a:cs typeface="Times New Roman" panose="02020603050405020304" pitchFamily="18" charset="0"/>
+              </a:rPr>
+              <a:t>In a Poisson process, the probability of receiving a certain number of events (calls in this case) in a fixed interval is given by the Poisson distribution formula:</a:t>
+            </a:r>
+          </a:p>
+          <a:p>
+            <a:pPr algn="just"/>
+            <a:r>
+              <a:rPr lang="en-US" sz="1800" b="0" i="0" dirty="0">
+                <a:solidFill>
+                  <a:srgbClr val="374151"/>
+                </a:solidFill>
+                <a:effectLst/>
+                <a:latin typeface="Times New Roman" panose="02020603050405020304" pitchFamily="18" charset="0"/>
+                <a:cs typeface="Times New Roman" panose="02020603050405020304" pitchFamily="18" charset="0"/>
+              </a:rPr>
+              <a:t>P(X = k) = (</a:t>
+            </a:r>
+            <a:r>
+              <a:rPr lang="en-US" sz="1800" b="0" i="0" dirty="0" err="1">
+                <a:solidFill>
+                  <a:srgbClr val="374151"/>
+                </a:solidFill>
+                <a:effectLst/>
+                <a:latin typeface="Times New Roman" panose="02020603050405020304" pitchFamily="18" charset="0"/>
+                <a:cs typeface="Times New Roman" panose="02020603050405020304" pitchFamily="18" charset="0"/>
+              </a:rPr>
+              <a:t>λ^k</a:t>
+            </a:r>
+            <a:r>
+              <a:rPr lang="en-US" sz="1800" b="0" i="0" dirty="0">
+                <a:solidFill>
+                  <a:srgbClr val="374151"/>
+                </a:solidFill>
+                <a:effectLst/>
+                <a:latin typeface="Times New Roman" panose="02020603050405020304" pitchFamily="18" charset="0"/>
+                <a:cs typeface="Times New Roman" panose="02020603050405020304" pitchFamily="18" charset="0"/>
+              </a:rPr>
+              <a:t> * e^(-λ)) / k!</a:t>
+            </a:r>
+          </a:p>
+          <a:p>
+            <a:pPr algn="just"/>
+            <a:r>
+              <a:rPr lang="en-US" sz="1800" b="0" i="0" dirty="0">
+                <a:solidFill>
+                  <a:srgbClr val="374151"/>
+                </a:solidFill>
+                <a:effectLst/>
+                <a:latin typeface="Times New Roman" panose="02020603050405020304" pitchFamily="18" charset="0"/>
+                <a:cs typeface="Times New Roman" panose="02020603050405020304" pitchFamily="18" charset="0"/>
+              </a:rPr>
+              <a:t>Where:</a:t>
+            </a:r>
+          </a:p>
+          <a:p>
+            <a:pPr lvl="2" algn="just">
+              <a:buFont typeface="Arial" panose="020B0604020202020204" pitchFamily="34" charset="0"/>
+              <a:buChar char="•"/>
+            </a:pPr>
+            <a:r>
+              <a:rPr lang="en-US" sz="1800" b="0" i="0" dirty="0">
+                <a:solidFill>
+                  <a:srgbClr val="374151"/>
+                </a:solidFill>
+                <a:effectLst/>
+                <a:latin typeface="Times New Roman" panose="02020603050405020304" pitchFamily="18" charset="0"/>
+                <a:cs typeface="Times New Roman" panose="02020603050405020304" pitchFamily="18" charset="0"/>
+              </a:rPr>
+              <a:t>P(X = k) is the probability of receiving exactly k events in the interval.</a:t>
+            </a:r>
+          </a:p>
+          <a:p>
+            <a:pPr lvl="2" algn="just">
+              <a:buFont typeface="Arial" panose="020B0604020202020204" pitchFamily="34" charset="0"/>
+              <a:buChar char="•"/>
+            </a:pPr>
+            <a:r>
+              <a:rPr lang="en-US" sz="1800" b="0" i="0" dirty="0">
+                <a:solidFill>
+                  <a:srgbClr val="374151"/>
+                </a:solidFill>
+                <a:effectLst/>
+                <a:latin typeface="Times New Roman" panose="02020603050405020304" pitchFamily="18" charset="0"/>
+                <a:cs typeface="Times New Roman" panose="02020603050405020304" pitchFamily="18" charset="0"/>
+              </a:rPr>
+              <a:t>λ is the average rate of events in the interval.</a:t>
+            </a:r>
+          </a:p>
+          <a:p>
+            <a:pPr lvl="2" algn="just">
+              <a:buFont typeface="Arial" panose="020B0604020202020204" pitchFamily="34" charset="0"/>
+              <a:buChar char="•"/>
+            </a:pPr>
+            <a:r>
+              <a:rPr lang="en-US" sz="1800" b="0" i="0" dirty="0">
+                <a:solidFill>
+                  <a:srgbClr val="374151"/>
+                </a:solidFill>
+                <a:effectLst/>
+                <a:latin typeface="Times New Roman" panose="02020603050405020304" pitchFamily="18" charset="0"/>
+                <a:cs typeface="Times New Roman" panose="02020603050405020304" pitchFamily="18" charset="0"/>
+              </a:rPr>
+              <a:t>e is the base of the natural logarithm (approximately 2.71828).</a:t>
+            </a:r>
+          </a:p>
+          <a:p>
+            <a:pPr lvl="2" algn="just">
+              <a:buFont typeface="Arial" panose="020B0604020202020204" pitchFamily="34" charset="0"/>
+              <a:buChar char="•"/>
+            </a:pPr>
+            <a:r>
+              <a:rPr lang="en-US" sz="1800" b="0" i="0" dirty="0">
+                <a:solidFill>
+                  <a:srgbClr val="374151"/>
+                </a:solidFill>
+                <a:effectLst/>
+                <a:latin typeface="Times New Roman" panose="02020603050405020304" pitchFamily="18" charset="0"/>
+                <a:cs typeface="Times New Roman" panose="02020603050405020304" pitchFamily="18" charset="0"/>
+              </a:rPr>
+              <a:t>k is the number of events.</a:t>
+            </a:r>
+          </a:p>
+          <a:p>
+            <a:pPr algn="just"/>
+            <a:r>
+              <a:rPr lang="en-US" sz="1800" b="0" i="0" dirty="0">
+                <a:solidFill>
+                  <a:srgbClr val="374151"/>
+                </a:solidFill>
+                <a:effectLst/>
+                <a:latin typeface="Times New Roman" panose="02020603050405020304" pitchFamily="18" charset="0"/>
+                <a:cs typeface="Times New Roman" panose="02020603050405020304" pitchFamily="18" charset="0"/>
+              </a:rPr>
+              <a:t>Given that the call center receives an average of 5 calls per minute, and we are looking for the probability of receiving exactly 8 calls in a 2-minute interval, we need to adjust the average rate (λ) for the 2-minute interval:</a:t>
+            </a:r>
+          </a:p>
+          <a:p>
+            <a:pPr algn="just"/>
+            <a:endParaRPr lang="en-US" sz="1800" b="0" i="0" dirty="0">
+              <a:solidFill>
+                <a:srgbClr val="374151"/>
+              </a:solidFill>
+              <a:effectLst/>
+              <a:latin typeface="Times New Roman" panose="02020603050405020304" pitchFamily="18" charset="0"/>
+              <a:cs typeface="Times New Roman" panose="02020603050405020304" pitchFamily="18" charset="0"/>
+            </a:endParaRPr>
+          </a:p>
+          <a:p>
+            <a:pPr algn="just"/>
+            <a:r>
+              <a:rPr lang="en-US" sz="1800" b="0" i="0" dirty="0">
+                <a:solidFill>
+                  <a:srgbClr val="374151"/>
+                </a:solidFill>
+                <a:effectLst/>
+                <a:latin typeface="Times New Roman" panose="02020603050405020304" pitchFamily="18" charset="0"/>
+                <a:cs typeface="Times New Roman" panose="02020603050405020304" pitchFamily="18" charset="0"/>
+              </a:rPr>
+              <a:t>Average rate (λ) = 5 calls/minute * 2 minutes = 10 calls</a:t>
+            </a:r>
+          </a:p>
+          <a:p>
+            <a:pPr algn="just"/>
+            <a:r>
+              <a:rPr lang="en-US" sz="1800" b="0" i="0" dirty="0">
+                <a:solidFill>
+                  <a:srgbClr val="374151"/>
+                </a:solidFill>
+                <a:effectLst/>
+                <a:latin typeface="Times New Roman" panose="02020603050405020304" pitchFamily="18" charset="0"/>
+                <a:cs typeface="Times New Roman" panose="02020603050405020304" pitchFamily="18" charset="0"/>
+              </a:rPr>
+              <a:t>Now, plug the values into the Poisson distribution formula:</a:t>
+            </a:r>
+          </a:p>
+          <a:p>
+            <a:pPr algn="just"/>
+            <a:r>
+              <a:rPr lang="en-US" sz="1800" b="0" i="0" dirty="0">
+                <a:solidFill>
+                  <a:srgbClr val="374151"/>
+                </a:solidFill>
+                <a:effectLst/>
+                <a:latin typeface="Times New Roman" panose="02020603050405020304" pitchFamily="18" charset="0"/>
+                <a:cs typeface="Times New Roman" panose="02020603050405020304" pitchFamily="18" charset="0"/>
+              </a:rPr>
+              <a:t>P(X = 8) = (10^8 * e^(-10)) / 8!</a:t>
+            </a:r>
+          </a:p>
+          <a:p>
+            <a:pPr algn="just"/>
+            <a:endParaRPr lang="en-US" sz="1800" b="0" i="0" dirty="0">
+              <a:solidFill>
+                <a:srgbClr val="374151"/>
+              </a:solidFill>
+              <a:effectLst/>
+              <a:latin typeface="Times New Roman" panose="02020603050405020304" pitchFamily="18" charset="0"/>
+              <a:cs typeface="Times New Roman" panose="02020603050405020304" pitchFamily="18" charset="0"/>
+            </a:endParaRPr>
+          </a:p>
+          <a:p>
+            <a:pPr algn="just"/>
+            <a:r>
+              <a:rPr lang="en-US" sz="1800" b="0" i="0" dirty="0">
+                <a:solidFill>
+                  <a:srgbClr val="374151"/>
+                </a:solidFill>
+                <a:effectLst/>
+                <a:latin typeface="Times New Roman" panose="02020603050405020304" pitchFamily="18" charset="0"/>
+                <a:cs typeface="Times New Roman" panose="02020603050405020304" pitchFamily="18" charset="0"/>
+              </a:rPr>
+              <a:t>Calculating this:</a:t>
+            </a:r>
+          </a:p>
+          <a:p>
+            <a:pPr algn="just"/>
+            <a:r>
+              <a:rPr lang="en-US" sz="1800" b="0" i="0" dirty="0">
+                <a:solidFill>
+                  <a:srgbClr val="374151"/>
+                </a:solidFill>
+                <a:effectLst/>
+                <a:latin typeface="Times New Roman" panose="02020603050405020304" pitchFamily="18" charset="0"/>
+                <a:cs typeface="Times New Roman" panose="02020603050405020304" pitchFamily="18" charset="0"/>
+              </a:rPr>
+              <a:t>P(X = 8) ≈ 0.112599</a:t>
+            </a:r>
+          </a:p>
+          <a:p>
+            <a:pPr algn="just"/>
+            <a:r>
+              <a:rPr lang="en-US" sz="1800" b="0" i="0" dirty="0">
+                <a:solidFill>
+                  <a:srgbClr val="374151"/>
+                </a:solidFill>
+                <a:effectLst/>
+                <a:latin typeface="Times New Roman" panose="02020603050405020304" pitchFamily="18" charset="0"/>
+                <a:cs typeface="Times New Roman" panose="02020603050405020304" pitchFamily="18" charset="0"/>
+              </a:rPr>
+              <a:t>So, the probability that the call center receives exactly 8 calls in a 2-minute interval is approximately 0.112599, or about 11.26%.</a:t>
+            </a:r>
+          </a:p>
+        </p:txBody>
+      </p:sp>
+      <p:sp>
+        <p:nvSpPr>
+          <p:cNvPr id="8" name="TextBox 7">
+            <a:extLst>
+              <a:ext uri="{FF2B5EF4-FFF2-40B4-BE49-F238E27FC236}">
+                <a16:creationId xmlns:a16="http://schemas.microsoft.com/office/drawing/2014/main" id="{FC140D12-C1E1-1C65-5C91-5AFA36219A5E}"/>
+              </a:ext>
+            </a:extLst>
+          </p:cNvPr>
+          <p:cNvSpPr txBox="1"/>
+          <p:nvPr/>
+        </p:nvSpPr>
+        <p:spPr>
+          <a:xfrm>
+            <a:off x="658483" y="385256"/>
+            <a:ext cx="4576312" cy="461665"/>
+          </a:xfrm>
+          <a:prstGeom prst="rect">
+            <a:avLst/>
+          </a:prstGeom>
+          <a:noFill/>
+        </p:spPr>
+        <p:txBody>
+          <a:bodyPr wrap="square">
+            <a:spAutoFit/>
+          </a:bodyPr>
+          <a:lstStyle/>
+          <a:p>
+            <a:r>
+              <a:rPr lang="en-US" sz="2400" b="0" i="0" dirty="0">
+                <a:solidFill>
+                  <a:srgbClr val="C00000"/>
+                </a:solidFill>
+                <a:effectLst/>
+                <a:latin typeface="Times New Roman" panose="02020603050405020304" pitchFamily="18" charset="0"/>
+                <a:cs typeface="Times New Roman" panose="02020603050405020304" pitchFamily="18" charset="0"/>
+              </a:rPr>
+              <a:t>Solution for Problem 1: </a:t>
+            </a:r>
+            <a:endParaRPr lang="en-NZ" dirty="0"/>
+          </a:p>
+        </p:txBody>
+      </p:sp>
+    </p:spTree>
+    <p:extLst>
+      <p:ext uri="{BB962C8B-B14F-4D97-AF65-F5344CB8AC3E}">
+        <p14:creationId xmlns:p14="http://schemas.microsoft.com/office/powerpoint/2010/main" val="1437007301"/>
+      </p:ext>
+    </p:extLst>
+  </p:cSld>
+  <p:clrMapOvr>
+    <a:masterClrMapping/>
+  </p:clrMapOvr>
+</p:sld>
+</file>
+
+<file path=ppt/slides/slide13.xml><?xml version="1.0" encoding="utf-8"?>
+<p:sld xmlns:a="http://schemas.openxmlformats.org/drawingml/2006/main" xmlns:r="http://schemas.openxmlformats.org/officeDocument/2006/relationships" xmlns:p="http://schemas.openxmlformats.org/presentationml/2006/main">
+  <p:cSld>
+    <p:spTree>
+      <p:nvGrpSpPr>
+        <p:cNvPr id="1" name=""/>
+        <p:cNvGrpSpPr/>
+        <p:nvPr/>
+      </p:nvGrpSpPr>
+      <p:grpSpPr>
+        <a:xfrm>
+          <a:off x="0" y="0"/>
+          <a:ext cx="0" cy="0"/>
+          <a:chOff x="0" y="0"/>
+          <a:chExt cx="0" cy="0"/>
+        </a:xfrm>
+      </p:grpSpPr>
+      <p:sp>
+        <p:nvSpPr>
+          <p:cNvPr id="2" name="Date Placeholder 1">
+            <a:extLst>
+              <a:ext uri="{FF2B5EF4-FFF2-40B4-BE49-F238E27FC236}">
+                <a16:creationId xmlns:a16="http://schemas.microsoft.com/office/drawing/2014/main" id="{051A0806-B3DD-10AC-55CE-3612760E7D3C}"/>
+              </a:ext>
+            </a:extLst>
+          </p:cNvPr>
+          <p:cNvSpPr>
+            <a:spLocks noGrp="1"/>
+          </p:cNvSpPr>
+          <p:nvPr>
+            <p:ph type="dt" sz="half" idx="10"/>
+          </p:nvPr>
+        </p:nvSpPr>
+        <p:spPr/>
+        <p:txBody>
+          <a:bodyPr/>
+          <a:lstStyle/>
+          <a:p>
+            <a:pPr>
+              <a:defRPr/>
+            </a:pPr>
+            <a:fld id="{488F146F-FF2E-4F52-8E87-0584C41863F6}" type="datetime5">
+              <a:rPr lang="en-US" smtClean="0"/>
+              <a:t>20-Aug-23</a:t>
+            </a:fld>
+            <a:endParaRPr lang="en-US"/>
+          </a:p>
+        </p:txBody>
+      </p:sp>
+      <p:sp>
+        <p:nvSpPr>
+          <p:cNvPr id="3" name="Footer Placeholder 2">
+            <a:extLst>
+              <a:ext uri="{FF2B5EF4-FFF2-40B4-BE49-F238E27FC236}">
+                <a16:creationId xmlns:a16="http://schemas.microsoft.com/office/drawing/2014/main" id="{4C55E9D1-D1F7-5359-B2FB-D430808D9E94}"/>
+              </a:ext>
+            </a:extLst>
+          </p:cNvPr>
+          <p:cNvSpPr>
+            <a:spLocks noGrp="1"/>
+          </p:cNvSpPr>
+          <p:nvPr>
+            <p:ph type="ftr" sz="quarter" idx="11"/>
+          </p:nvPr>
+        </p:nvSpPr>
+        <p:spPr/>
+        <p:txBody>
+          <a:bodyPr/>
+          <a:lstStyle/>
+          <a:p>
+            <a:pPr>
+              <a:defRPr/>
+            </a:pPr>
+            <a:r>
+              <a:rPr lang="en-US"/>
+              <a:t>MP9510</a:t>
+            </a:r>
+          </a:p>
+        </p:txBody>
+      </p:sp>
+      <p:sp>
+        <p:nvSpPr>
+          <p:cNvPr id="4" name="Slide Number Placeholder 3">
+            <a:extLst>
+              <a:ext uri="{FF2B5EF4-FFF2-40B4-BE49-F238E27FC236}">
+                <a16:creationId xmlns:a16="http://schemas.microsoft.com/office/drawing/2014/main" id="{34D3EF8C-D341-CFC9-8AD7-F6293595CA26}"/>
+              </a:ext>
+            </a:extLst>
+          </p:cNvPr>
+          <p:cNvSpPr>
+            <a:spLocks noGrp="1"/>
+          </p:cNvSpPr>
+          <p:nvPr>
+            <p:ph type="sldNum" sz="quarter" idx="12"/>
+          </p:nvPr>
+        </p:nvSpPr>
+        <p:spPr/>
+        <p:txBody>
+          <a:bodyPr/>
+          <a:lstStyle/>
+          <a:p>
+            <a:fld id="{CE044D25-0416-42B9-9B68-64245915A2EA}" type="slidenum">
+              <a:rPr lang="en-US" altLang="en-US" smtClean="0"/>
+              <a:pPr/>
+              <a:t>13</a:t>
+            </a:fld>
+            <a:endParaRPr lang="en-US" altLang="en-US"/>
+          </a:p>
+        </p:txBody>
+      </p:sp>
+      <p:sp>
+        <p:nvSpPr>
+          <p:cNvPr id="6" name="TextBox 5">
+            <a:extLst>
+              <a:ext uri="{FF2B5EF4-FFF2-40B4-BE49-F238E27FC236}">
+                <a16:creationId xmlns:a16="http://schemas.microsoft.com/office/drawing/2014/main" id="{4B1DE24A-7953-D91C-D1E1-787E671131B7}"/>
+              </a:ext>
+            </a:extLst>
+          </p:cNvPr>
+          <p:cNvSpPr txBox="1"/>
+          <p:nvPr/>
+        </p:nvSpPr>
+        <p:spPr>
+          <a:xfrm>
+            <a:off x="685800" y="3202481"/>
+            <a:ext cx="8153400" cy="830997"/>
+          </a:xfrm>
+          <a:prstGeom prst="rect">
+            <a:avLst/>
+          </a:prstGeom>
+          <a:noFill/>
+        </p:spPr>
+        <p:txBody>
+          <a:bodyPr wrap="square">
+            <a:spAutoFit/>
+          </a:bodyPr>
+          <a:lstStyle/>
+          <a:p>
+            <a:pPr algn="ctr"/>
+            <a:r>
+              <a:rPr lang="en-US" sz="2400" b="0" i="0" dirty="0">
+                <a:solidFill>
+                  <a:srgbClr val="C00000"/>
+                </a:solidFill>
+                <a:effectLst/>
+                <a:latin typeface="Times New Roman" panose="02020603050405020304" pitchFamily="18" charset="0"/>
+                <a:cs typeface="Times New Roman" panose="02020603050405020304" pitchFamily="18" charset="0"/>
+              </a:rPr>
+              <a:t>Problems 2, 3, 4 and 5 are very similar problems, so workout yourself! </a:t>
+            </a:r>
+            <a:endParaRPr lang="en-NZ" dirty="0"/>
+          </a:p>
+        </p:txBody>
+      </p:sp>
+    </p:spTree>
+    <p:extLst>
+      <p:ext uri="{BB962C8B-B14F-4D97-AF65-F5344CB8AC3E}">
+        <p14:creationId xmlns:p14="http://schemas.microsoft.com/office/powerpoint/2010/main" val="764174401"/>
+      </p:ext>
+    </p:extLst>
+  </p:cSld>
+  <p:clrMapOvr>
+    <a:masterClrMapping/>
+  </p:clrMapOvr>
+</p:sld>
+</file>
+
+<file path=ppt/slides/slide14.xml><?xml version="1.0" encoding="utf-8"?>
+<p:sld xmlns:a="http://schemas.openxmlformats.org/drawingml/2006/main" xmlns:r="http://schemas.openxmlformats.org/officeDocument/2006/relationships" xmlns:p="http://schemas.openxmlformats.org/presentationml/2006/main">
+  <p:cSld>
+    <p:spTree>
+      <p:nvGrpSpPr>
+        <p:cNvPr id="1" name=""/>
+        <p:cNvGrpSpPr/>
+        <p:nvPr/>
+      </p:nvGrpSpPr>
+      <p:grpSpPr>
+        <a:xfrm>
+          <a:off x="0" y="0"/>
+          <a:ext cx="0" cy="0"/>
+          <a:chOff x="0" y="0"/>
+          <a:chExt cx="0" cy="0"/>
+        </a:xfrm>
+      </p:grpSpPr>
+      <p:sp>
+        <p:nvSpPr>
+          <p:cNvPr id="2" name="Date Placeholder 1">
+            <a:extLst>
+              <a:ext uri="{FF2B5EF4-FFF2-40B4-BE49-F238E27FC236}">
                 <a16:creationId xmlns:a16="http://schemas.microsoft.com/office/drawing/2014/main" id="{C5BA96E2-6C6A-BF28-FF48-058FDB05F622}"/>
               </a:ext>
             </a:extLst>
@@ -10943,7 +11560,7 @@
             </a:pPr>
             <a:fld id="{488F146F-FF2E-4F52-8E87-0584C41863F6}" type="datetime5">
               <a:rPr lang="en-US" smtClean="0"/>
-              <a:t>17-Jul-23</a:t>
+              <a:t>20-Aug-23</a:t>
             </a:fld>
             <a:endParaRPr lang="en-US"/>
           </a:p>
@@ -11004,7 +11621,7 @@
             <a:fld id="{CE044D25-0416-42B9-9B68-64245915A2EA}" type="slidenum">
               <a:rPr lang="en-US" altLang="en-US" smtClean="0"/>
               <a:pPr/>
-              <a:t>12</a:t>
+              <a:t>14</a:t>
             </a:fld>
             <a:endParaRPr lang="en-US" altLang="en-US"/>
           </a:p>
@@ -11310,7 +11927,7 @@
 </p:sld>
 </file>
 
-<file path=ppt/slides/slide13.xml><?xml version="1.0" encoding="utf-8"?>
+<file path=ppt/slides/slide15.xml><?xml version="1.0" encoding="utf-8"?>
 <p:sld xmlns:a="http://schemas.openxmlformats.org/drawingml/2006/main" xmlns:r="http://schemas.openxmlformats.org/officeDocument/2006/relationships" xmlns:p="http://schemas.openxmlformats.org/presentationml/2006/main">
   <p:cSld>
     <p:spTree>
@@ -11353,7 +11970,7 @@
             </a:pPr>
             <a:fld id="{488F146F-FF2E-4F52-8E87-0584C41863F6}" type="datetime5">
               <a:rPr lang="en-US" smtClean="0"/>
-              <a:t>17-Jul-23</a:t>
+              <a:t>20-Aug-23</a:t>
             </a:fld>
             <a:endParaRPr lang="en-US"/>
           </a:p>
@@ -11414,7 +12031,7 @@
             <a:fld id="{CE044D25-0416-42B9-9B68-64245915A2EA}" type="slidenum">
               <a:rPr lang="en-US" altLang="en-US" smtClean="0"/>
               <a:pPr/>
-              <a:t>13</a:t>
+              <a:t>15</a:t>
             </a:fld>
             <a:endParaRPr lang="en-US" altLang="en-US"/>
           </a:p>
@@ -11532,7 +12149,484 @@
 </p:sld>
 </file>
 
-<file path=ppt/slides/slide14.xml><?xml version="1.0" encoding="utf-8"?>
+<file path=ppt/slides/slide16.xml><?xml version="1.0" encoding="utf-8"?>
+<p:sld xmlns:a="http://schemas.openxmlformats.org/drawingml/2006/main" xmlns:r="http://schemas.openxmlformats.org/officeDocument/2006/relationships" xmlns:p="http://schemas.openxmlformats.org/presentationml/2006/main">
+  <p:cSld>
+    <p:spTree>
+      <p:nvGrpSpPr>
+        <p:cNvPr id="1" name=""/>
+        <p:cNvGrpSpPr/>
+        <p:nvPr/>
+      </p:nvGrpSpPr>
+      <p:grpSpPr>
+        <a:xfrm>
+          <a:off x="0" y="0"/>
+          <a:ext cx="0" cy="0"/>
+          <a:chOff x="0" y="0"/>
+          <a:chExt cx="0" cy="0"/>
+        </a:xfrm>
+      </p:grpSpPr>
+      <p:sp>
+        <p:nvSpPr>
+          <p:cNvPr id="2" name="Date Placeholder 1">
+            <a:extLst>
+              <a:ext uri="{FF2B5EF4-FFF2-40B4-BE49-F238E27FC236}">
+                <a16:creationId xmlns:a16="http://schemas.microsoft.com/office/drawing/2014/main" id="{FA43AF7A-4A6C-9D97-C527-3F1D129CEDEC}"/>
+              </a:ext>
+            </a:extLst>
+          </p:cNvPr>
+          <p:cNvSpPr>
+            <a:spLocks noGrp="1"/>
+          </p:cNvSpPr>
+          <p:nvPr>
+            <p:ph type="dt" sz="half" idx="10"/>
+          </p:nvPr>
+        </p:nvSpPr>
+        <p:spPr/>
+        <p:txBody>
+          <a:bodyPr/>
+          <a:lstStyle/>
+          <a:p>
+            <a:pPr>
+              <a:defRPr/>
+            </a:pPr>
+            <a:fld id="{488F146F-FF2E-4F52-8E87-0584C41863F6}" type="datetime5">
+              <a:rPr lang="en-US" smtClean="0"/>
+              <a:t>20-Aug-23</a:t>
+            </a:fld>
+            <a:endParaRPr lang="en-US"/>
+          </a:p>
+        </p:txBody>
+      </p:sp>
+      <p:sp>
+        <p:nvSpPr>
+          <p:cNvPr id="3" name="Footer Placeholder 2">
+            <a:extLst>
+              <a:ext uri="{FF2B5EF4-FFF2-40B4-BE49-F238E27FC236}">
+                <a16:creationId xmlns:a16="http://schemas.microsoft.com/office/drawing/2014/main" id="{35EB828E-1937-D663-FC8C-487553C17915}"/>
+              </a:ext>
+            </a:extLst>
+          </p:cNvPr>
+          <p:cNvSpPr>
+            <a:spLocks noGrp="1"/>
+          </p:cNvSpPr>
+          <p:nvPr>
+            <p:ph type="ftr" sz="quarter" idx="11"/>
+          </p:nvPr>
+        </p:nvSpPr>
+        <p:spPr/>
+        <p:txBody>
+          <a:bodyPr/>
+          <a:lstStyle/>
+          <a:p>
+            <a:pPr>
+              <a:defRPr/>
+            </a:pPr>
+            <a:r>
+              <a:rPr lang="en-US"/>
+              <a:t>MP9510</a:t>
+            </a:r>
+          </a:p>
+        </p:txBody>
+      </p:sp>
+      <p:sp>
+        <p:nvSpPr>
+          <p:cNvPr id="4" name="Slide Number Placeholder 3">
+            <a:extLst>
+              <a:ext uri="{FF2B5EF4-FFF2-40B4-BE49-F238E27FC236}">
+                <a16:creationId xmlns:a16="http://schemas.microsoft.com/office/drawing/2014/main" id="{CE26E5AD-0B14-5EB8-0533-37CD464B95E7}"/>
+              </a:ext>
+            </a:extLst>
+          </p:cNvPr>
+          <p:cNvSpPr>
+            <a:spLocks noGrp="1"/>
+          </p:cNvSpPr>
+          <p:nvPr>
+            <p:ph type="sldNum" sz="quarter" idx="12"/>
+          </p:nvPr>
+        </p:nvSpPr>
+        <p:spPr/>
+        <p:txBody>
+          <a:bodyPr/>
+          <a:lstStyle/>
+          <a:p>
+            <a:fld id="{CE044D25-0416-42B9-9B68-64245915A2EA}" type="slidenum">
+              <a:rPr lang="en-US" altLang="en-US" smtClean="0"/>
+              <a:pPr/>
+              <a:t>16</a:t>
+            </a:fld>
+            <a:endParaRPr lang="en-US" altLang="en-US"/>
+          </a:p>
+        </p:txBody>
+      </p:sp>
+      <p:sp>
+        <p:nvSpPr>
+          <p:cNvPr id="6" name="TextBox 5">
+            <a:extLst>
+              <a:ext uri="{FF2B5EF4-FFF2-40B4-BE49-F238E27FC236}">
+                <a16:creationId xmlns:a16="http://schemas.microsoft.com/office/drawing/2014/main" id="{4862F93A-E57E-0105-79B4-5C9FB35F52B1}"/>
+              </a:ext>
+            </a:extLst>
+          </p:cNvPr>
+          <p:cNvSpPr txBox="1"/>
+          <p:nvPr/>
+        </p:nvSpPr>
+        <p:spPr>
+          <a:xfrm>
+            <a:off x="1143000" y="1644908"/>
+            <a:ext cx="6779643" cy="4832092"/>
+          </a:xfrm>
+          <a:prstGeom prst="rect">
+            <a:avLst/>
+          </a:prstGeom>
+          <a:noFill/>
+        </p:spPr>
+        <p:txBody>
+          <a:bodyPr wrap="square">
+            <a:spAutoFit/>
+          </a:bodyPr>
+          <a:lstStyle/>
+          <a:p>
+            <a:pPr algn="just"/>
+            <a:r>
+              <a:rPr lang="en-NZ" sz="1400" dirty="0">
+                <a:latin typeface="Times New Roman" panose="02020603050405020304" pitchFamily="18" charset="0"/>
+                <a:cs typeface="Times New Roman" panose="02020603050405020304" pitchFamily="18" charset="0"/>
+              </a:rPr>
+              <a:t>The exponential distribution possesses the memoryless property, which states that the probability of an event occurring within a given time frame is independent of how much time has already passed. This property allows us to simplify the calculation when dealing with time intervals.</a:t>
+            </a:r>
+          </a:p>
+          <a:p>
+            <a:endParaRPr lang="en-NZ" sz="1400" dirty="0">
+              <a:latin typeface="Times New Roman" panose="02020603050405020304" pitchFamily="18" charset="0"/>
+              <a:cs typeface="Times New Roman" panose="02020603050405020304" pitchFamily="18" charset="0"/>
+            </a:endParaRPr>
+          </a:p>
+          <a:p>
+            <a:pPr algn="just"/>
+            <a:r>
+              <a:rPr lang="en-NZ" sz="1400" dirty="0">
+                <a:latin typeface="Times New Roman" panose="02020603050405020304" pitchFamily="18" charset="0"/>
+                <a:cs typeface="Times New Roman" panose="02020603050405020304" pitchFamily="18" charset="0"/>
+              </a:rPr>
+              <a:t>In this case, the property implies that the probability of receiving a call within the next 5 minutes is the same as the probability of receiving a call within the first 5 minutes of operation, regardless of the past 20 minutes of no calls.</a:t>
+            </a:r>
+          </a:p>
+          <a:p>
+            <a:endParaRPr lang="en-NZ" sz="1400" dirty="0">
+              <a:latin typeface="Times New Roman" panose="02020603050405020304" pitchFamily="18" charset="0"/>
+              <a:cs typeface="Times New Roman" panose="02020603050405020304" pitchFamily="18" charset="0"/>
+            </a:endParaRPr>
+          </a:p>
+          <a:p>
+            <a:pPr algn="just"/>
+            <a:r>
+              <a:rPr lang="en-NZ" sz="1400" dirty="0">
+                <a:latin typeface="Times New Roman" panose="02020603050405020304" pitchFamily="18" charset="0"/>
+                <a:cs typeface="Times New Roman" panose="02020603050405020304" pitchFamily="18" charset="0"/>
+              </a:rPr>
+              <a:t>Given the exponential distribution with a mean of 10 minutes, the rate (λ) is 1 / 10 = 0.1 calls per minute.</a:t>
+            </a:r>
+          </a:p>
+          <a:p>
+            <a:endParaRPr lang="en-NZ" sz="1400" dirty="0">
+              <a:latin typeface="Times New Roman" panose="02020603050405020304" pitchFamily="18" charset="0"/>
+              <a:cs typeface="Times New Roman" panose="02020603050405020304" pitchFamily="18" charset="0"/>
+            </a:endParaRPr>
+          </a:p>
+          <a:p>
+            <a:r>
+              <a:rPr lang="en-NZ" sz="1400" dirty="0">
+                <a:latin typeface="Times New Roman" panose="02020603050405020304" pitchFamily="18" charset="0"/>
+                <a:cs typeface="Times New Roman" panose="02020603050405020304" pitchFamily="18" charset="0"/>
+              </a:rPr>
+              <a:t>The probability of receiving a call within the next 5 minutes is:</a:t>
+            </a:r>
+          </a:p>
+          <a:p>
+            <a:endParaRPr lang="en-NZ" sz="1400" dirty="0">
+              <a:latin typeface="Times New Roman" panose="02020603050405020304" pitchFamily="18" charset="0"/>
+              <a:cs typeface="Times New Roman" panose="02020603050405020304" pitchFamily="18" charset="0"/>
+            </a:endParaRPr>
+          </a:p>
+          <a:p>
+            <a:r>
+              <a:rPr lang="en-NZ" sz="1400" dirty="0">
+                <a:latin typeface="Times New Roman" panose="02020603050405020304" pitchFamily="18" charset="0"/>
+                <a:cs typeface="Times New Roman" panose="02020603050405020304" pitchFamily="18" charset="0"/>
+              </a:rPr>
+              <a:t>P(call within 5 minutes) = 1 - e^(-λ * 5)</a:t>
+            </a:r>
+          </a:p>
+          <a:p>
+            <a:r>
+              <a:rPr lang="en-NZ" sz="1400" dirty="0">
+                <a:latin typeface="Times New Roman" panose="02020603050405020304" pitchFamily="18" charset="0"/>
+                <a:cs typeface="Times New Roman" panose="02020603050405020304" pitchFamily="18" charset="0"/>
+              </a:rPr>
+              <a:t>P(call within 5 minutes) = 1 - e^(-0.1 * 5)</a:t>
+            </a:r>
+          </a:p>
+          <a:p>
+            <a:r>
+              <a:rPr lang="en-NZ" sz="1400" dirty="0">
+                <a:latin typeface="Times New Roman" panose="02020603050405020304" pitchFamily="18" charset="0"/>
+                <a:cs typeface="Times New Roman" panose="02020603050405020304" pitchFamily="18" charset="0"/>
+              </a:rPr>
+              <a:t>P(call within 5 minutes) = 1 - e^(-0.5)</a:t>
+            </a:r>
+          </a:p>
+          <a:p>
+            <a:r>
+              <a:rPr lang="en-NZ" sz="1400" dirty="0">
+                <a:latin typeface="Times New Roman" panose="02020603050405020304" pitchFamily="18" charset="0"/>
+                <a:cs typeface="Times New Roman" panose="02020603050405020304" pitchFamily="18" charset="0"/>
+              </a:rPr>
+              <a:t>P(call within 5 minutes) ≈ 0.39347</a:t>
+            </a:r>
+          </a:p>
+          <a:p>
+            <a:endParaRPr lang="en-NZ" sz="1400" dirty="0">
+              <a:latin typeface="Times New Roman" panose="02020603050405020304" pitchFamily="18" charset="0"/>
+              <a:cs typeface="Times New Roman" panose="02020603050405020304" pitchFamily="18" charset="0"/>
+            </a:endParaRPr>
+          </a:p>
+          <a:p>
+            <a:pPr algn="just"/>
+            <a:r>
+              <a:rPr lang="en-NZ" sz="1400" dirty="0">
+                <a:latin typeface="Times New Roman" panose="02020603050405020304" pitchFamily="18" charset="0"/>
+                <a:cs typeface="Times New Roman" panose="02020603050405020304" pitchFamily="18" charset="0"/>
+              </a:rPr>
+              <a:t>So, using the memoryless property, the probability that the next call will arrive within the next 5 minutes, given that no calls have been received in the past 20 minutes, is approximately 0.39347 or about 39.35%.</a:t>
+            </a:r>
+          </a:p>
+        </p:txBody>
+      </p:sp>
+      <p:sp>
+        <p:nvSpPr>
+          <p:cNvPr id="7" name="TextBox 6">
+            <a:extLst>
+              <a:ext uri="{FF2B5EF4-FFF2-40B4-BE49-F238E27FC236}">
+                <a16:creationId xmlns:a16="http://schemas.microsoft.com/office/drawing/2014/main" id="{557490CB-35D1-56FB-B42D-B5951FAE5760}"/>
+              </a:ext>
+            </a:extLst>
+          </p:cNvPr>
+          <p:cNvSpPr txBox="1"/>
+          <p:nvPr/>
+        </p:nvSpPr>
+        <p:spPr>
+          <a:xfrm>
+            <a:off x="715992" y="954643"/>
+            <a:ext cx="4576312" cy="461665"/>
+          </a:xfrm>
+          <a:prstGeom prst="rect">
+            <a:avLst/>
+          </a:prstGeom>
+          <a:noFill/>
+        </p:spPr>
+        <p:txBody>
+          <a:bodyPr wrap="square">
+            <a:spAutoFit/>
+          </a:bodyPr>
+          <a:lstStyle/>
+          <a:p>
+            <a:r>
+              <a:rPr lang="en-US" sz="2400" b="0" i="0" dirty="0">
+                <a:solidFill>
+                  <a:srgbClr val="C00000"/>
+                </a:solidFill>
+                <a:effectLst/>
+                <a:latin typeface="Times New Roman" panose="02020603050405020304" pitchFamily="18" charset="0"/>
+                <a:cs typeface="Times New Roman" panose="02020603050405020304" pitchFamily="18" charset="0"/>
+              </a:rPr>
+              <a:t>Solution for Problem 1: </a:t>
+            </a:r>
+            <a:endParaRPr lang="en-NZ" dirty="0"/>
+          </a:p>
+        </p:txBody>
+      </p:sp>
+    </p:spTree>
+    <p:extLst>
+      <p:ext uri="{BB962C8B-B14F-4D97-AF65-F5344CB8AC3E}">
+        <p14:creationId xmlns:p14="http://schemas.microsoft.com/office/powerpoint/2010/main" val="2960284912"/>
+      </p:ext>
+    </p:extLst>
+  </p:cSld>
+  <p:clrMapOvr>
+    <a:masterClrMapping/>
+  </p:clrMapOvr>
+</p:sld>
+</file>
+
+<file path=ppt/slides/slide17.xml><?xml version="1.0" encoding="utf-8"?>
+<p:sld xmlns:a="http://schemas.openxmlformats.org/drawingml/2006/main" xmlns:r="http://schemas.openxmlformats.org/officeDocument/2006/relationships" xmlns:p="http://schemas.openxmlformats.org/presentationml/2006/main">
+  <p:cSld>
+    <p:spTree>
+      <p:nvGrpSpPr>
+        <p:cNvPr id="1" name=""/>
+        <p:cNvGrpSpPr/>
+        <p:nvPr/>
+      </p:nvGrpSpPr>
+      <p:grpSpPr>
+        <a:xfrm>
+          <a:off x="0" y="0"/>
+          <a:ext cx="0" cy="0"/>
+          <a:chOff x="0" y="0"/>
+          <a:chExt cx="0" cy="0"/>
+        </a:xfrm>
+      </p:grpSpPr>
+      <p:sp>
+        <p:nvSpPr>
+          <p:cNvPr id="2" name="Date Placeholder 1">
+            <a:extLst>
+              <a:ext uri="{FF2B5EF4-FFF2-40B4-BE49-F238E27FC236}">
+                <a16:creationId xmlns:a16="http://schemas.microsoft.com/office/drawing/2014/main" id="{051A0806-B3DD-10AC-55CE-3612760E7D3C}"/>
+              </a:ext>
+            </a:extLst>
+          </p:cNvPr>
+          <p:cNvSpPr>
+            <a:spLocks noGrp="1"/>
+          </p:cNvSpPr>
+          <p:nvPr>
+            <p:ph type="dt" sz="half" idx="10"/>
+          </p:nvPr>
+        </p:nvSpPr>
+        <p:spPr/>
+        <p:txBody>
+          <a:bodyPr/>
+          <a:lstStyle/>
+          <a:p>
+            <a:pPr>
+              <a:defRPr/>
+            </a:pPr>
+            <a:fld id="{488F146F-FF2E-4F52-8E87-0584C41863F6}" type="datetime5">
+              <a:rPr lang="en-US" smtClean="0"/>
+              <a:t>20-Aug-23</a:t>
+            </a:fld>
+            <a:endParaRPr lang="en-US"/>
+          </a:p>
+        </p:txBody>
+      </p:sp>
+      <p:sp>
+        <p:nvSpPr>
+          <p:cNvPr id="3" name="Footer Placeholder 2">
+            <a:extLst>
+              <a:ext uri="{FF2B5EF4-FFF2-40B4-BE49-F238E27FC236}">
+                <a16:creationId xmlns:a16="http://schemas.microsoft.com/office/drawing/2014/main" id="{4C55E9D1-D1F7-5359-B2FB-D430808D9E94}"/>
+              </a:ext>
+            </a:extLst>
+          </p:cNvPr>
+          <p:cNvSpPr>
+            <a:spLocks noGrp="1"/>
+          </p:cNvSpPr>
+          <p:nvPr>
+            <p:ph type="ftr" sz="quarter" idx="11"/>
+          </p:nvPr>
+        </p:nvSpPr>
+        <p:spPr/>
+        <p:txBody>
+          <a:bodyPr/>
+          <a:lstStyle/>
+          <a:p>
+            <a:pPr>
+              <a:defRPr/>
+            </a:pPr>
+            <a:r>
+              <a:rPr lang="en-US"/>
+              <a:t>MP9510</a:t>
+            </a:r>
+          </a:p>
+        </p:txBody>
+      </p:sp>
+      <p:sp>
+        <p:nvSpPr>
+          <p:cNvPr id="4" name="Slide Number Placeholder 3">
+            <a:extLst>
+              <a:ext uri="{FF2B5EF4-FFF2-40B4-BE49-F238E27FC236}">
+                <a16:creationId xmlns:a16="http://schemas.microsoft.com/office/drawing/2014/main" id="{34D3EF8C-D341-CFC9-8AD7-F6293595CA26}"/>
+              </a:ext>
+            </a:extLst>
+          </p:cNvPr>
+          <p:cNvSpPr>
+            <a:spLocks noGrp="1"/>
+          </p:cNvSpPr>
+          <p:nvPr>
+            <p:ph type="sldNum" sz="quarter" idx="12"/>
+          </p:nvPr>
+        </p:nvSpPr>
+        <p:spPr/>
+        <p:txBody>
+          <a:bodyPr/>
+          <a:lstStyle/>
+          <a:p>
+            <a:fld id="{CE044D25-0416-42B9-9B68-64245915A2EA}" type="slidenum">
+              <a:rPr lang="en-US" altLang="en-US" smtClean="0"/>
+              <a:pPr/>
+              <a:t>17</a:t>
+            </a:fld>
+            <a:endParaRPr lang="en-US" altLang="en-US"/>
+          </a:p>
+        </p:txBody>
+      </p:sp>
+      <p:sp>
+        <p:nvSpPr>
+          <p:cNvPr id="6" name="TextBox 5">
+            <a:extLst>
+              <a:ext uri="{FF2B5EF4-FFF2-40B4-BE49-F238E27FC236}">
+                <a16:creationId xmlns:a16="http://schemas.microsoft.com/office/drawing/2014/main" id="{4B1DE24A-7953-D91C-D1E1-787E671131B7}"/>
+              </a:ext>
+            </a:extLst>
+          </p:cNvPr>
+          <p:cNvSpPr txBox="1"/>
+          <p:nvPr/>
+        </p:nvSpPr>
+        <p:spPr>
+          <a:xfrm>
+            <a:off x="685800" y="3202481"/>
+            <a:ext cx="8153400" cy="830997"/>
+          </a:xfrm>
+          <a:prstGeom prst="rect">
+            <a:avLst/>
+          </a:prstGeom>
+          <a:noFill/>
+        </p:spPr>
+        <p:txBody>
+          <a:bodyPr wrap="square">
+            <a:spAutoFit/>
+          </a:bodyPr>
+          <a:lstStyle/>
+          <a:p>
+            <a:pPr algn="ctr"/>
+            <a:r>
+              <a:rPr lang="en-US" sz="2400" b="0" i="0" dirty="0">
+                <a:solidFill>
+                  <a:srgbClr val="C00000"/>
+                </a:solidFill>
+                <a:effectLst/>
+                <a:latin typeface="Times New Roman" panose="02020603050405020304" pitchFamily="18" charset="0"/>
+                <a:cs typeface="Times New Roman" panose="02020603050405020304" pitchFamily="18" charset="0"/>
+              </a:rPr>
+              <a:t>Problems 2, 3 and 4 are very similar problems, so workout yourself! </a:t>
+            </a:r>
+            <a:endParaRPr lang="en-NZ" dirty="0"/>
+          </a:p>
+        </p:txBody>
+      </p:sp>
+    </p:spTree>
+    <p:extLst>
+      <p:ext uri="{BB962C8B-B14F-4D97-AF65-F5344CB8AC3E}">
+        <p14:creationId xmlns:p14="http://schemas.microsoft.com/office/powerpoint/2010/main" val="292047229"/>
+      </p:ext>
+    </p:extLst>
+  </p:cSld>
+  <p:clrMapOvr>
+    <a:masterClrMapping/>
+  </p:clrMapOvr>
+</p:sld>
+</file>
+
+<file path=ppt/slides/slide18.xml><?xml version="1.0" encoding="utf-8"?>
 <p:sld xmlns:a="http://schemas.openxmlformats.org/drawingml/2006/main" xmlns:r="http://schemas.openxmlformats.org/officeDocument/2006/relationships" xmlns:p="http://schemas.openxmlformats.org/presentationml/2006/main">
   <p:cSld>
     <p:spTree>
@@ -11575,7 +12669,7 @@
             </a:pPr>
             <a:fld id="{488F146F-FF2E-4F52-8E87-0584C41863F6}" type="datetime5">
               <a:rPr lang="en-US" smtClean="0"/>
-              <a:t>17-Jul-23</a:t>
+              <a:t>20-Aug-23</a:t>
             </a:fld>
             <a:endParaRPr lang="en-US"/>
           </a:p>
@@ -11636,7 +12730,7 @@
             <a:fld id="{CE044D25-0416-42B9-9B68-64245915A2EA}" type="slidenum">
               <a:rPr lang="en-US" altLang="en-US" smtClean="0"/>
               <a:pPr/>
-              <a:t>14</a:t>
+              <a:t>18</a:t>
             </a:fld>
             <a:endParaRPr lang="en-US" altLang="en-US"/>
           </a:p>
@@ -11703,7 +12797,7 @@
 </p:sld>
 </file>
 
-<file path=ppt/slides/slide15.xml><?xml version="1.0" encoding="utf-8"?>
+<file path=ppt/slides/slide19.xml><?xml version="1.0" encoding="utf-8"?>
 <p:sld xmlns:a="http://schemas.openxmlformats.org/drawingml/2006/main" xmlns:r="http://schemas.openxmlformats.org/officeDocument/2006/relationships" xmlns:p="http://schemas.openxmlformats.org/presentationml/2006/main">
   <p:cSld>
     <p:spTree>
@@ -11746,7 +12840,7 @@
             </a:pPr>
             <a:fld id="{488F146F-FF2E-4F52-8E87-0584C41863F6}" type="datetime5">
               <a:rPr lang="en-US" smtClean="0"/>
-              <a:t>17-Jul-23</a:t>
+              <a:t>20-Aug-23</a:t>
             </a:fld>
             <a:endParaRPr lang="en-US"/>
           </a:p>
@@ -11807,7 +12901,7 @@
             <a:fld id="{CE044D25-0416-42B9-9B68-64245915A2EA}" type="slidenum">
               <a:rPr lang="en-US" altLang="en-US" smtClean="0"/>
               <a:pPr/>
-              <a:t>15</a:t>
+              <a:t>19</a:t>
             </a:fld>
             <a:endParaRPr lang="en-US" altLang="en-US"/>
           </a:p>
@@ -11910,7 +13004,295 @@
 </p:sld>
 </file>
 
-<file path=ppt/slides/slide16.xml><?xml version="1.0" encoding="utf-8"?>
+<file path=ppt/slides/slide2.xml><?xml version="1.0" encoding="utf-8"?>
+<p:sld xmlns:a="http://schemas.openxmlformats.org/drawingml/2006/main" xmlns:r="http://schemas.openxmlformats.org/officeDocument/2006/relationships" xmlns:p="http://schemas.openxmlformats.org/presentationml/2006/main">
+  <p:cSld>
+    <p:spTree>
+      <p:nvGrpSpPr>
+        <p:cNvPr id="1" name=""/>
+        <p:cNvGrpSpPr/>
+        <p:nvPr/>
+      </p:nvGrpSpPr>
+      <p:grpSpPr>
+        <a:xfrm>
+          <a:off x="0" y="0"/>
+          <a:ext cx="0" cy="0"/>
+          <a:chOff x="0" y="0"/>
+          <a:chExt cx="0" cy="0"/>
+        </a:xfrm>
+      </p:grpSpPr>
+      <p:sp>
+        <p:nvSpPr>
+          <p:cNvPr id="19459" name="Slide Number Placeholder 5">
+            <a:extLst>
+              <a:ext uri="{FF2B5EF4-FFF2-40B4-BE49-F238E27FC236}">
+                <a16:creationId xmlns:a16="http://schemas.microsoft.com/office/drawing/2014/main" id="{DC93C3FB-ED9B-8D2C-4A8A-1D2D2CB28AFC}"/>
+              </a:ext>
+            </a:extLst>
+          </p:cNvPr>
+          <p:cNvSpPr>
+            <a:spLocks noGrp="1"/>
+          </p:cNvSpPr>
+          <p:nvPr>
+            <p:ph type="sldNum" sz="quarter" idx="12"/>
+          </p:nvPr>
+        </p:nvSpPr>
+        <p:spPr>
+          <a:noFill/>
+          <a:ln/>
+          <a:extLst>
+            <a:ext uri="{909E8E84-426E-40DD-AFC4-6F175D3DCCD1}">
+              <a14:hiddenFill xmlns:a14="http://schemas.microsoft.com/office/drawing/2010/main">
+                <a:solidFill>
+                  <a:srgbClr val="FFFFFF"/>
+                </a:solidFill>
+              </a14:hiddenFill>
+            </a:ext>
+            <a:ext uri="{91240B29-F687-4F45-9708-019B960494DF}">
+              <a14:hiddenLine xmlns:a14="http://schemas.microsoft.com/office/drawing/2010/main" w="9525">
+                <a:solidFill>
+                  <a:srgbClr val="000000"/>
+                </a:solidFill>
+                <a:miter lim="800000"/>
+                <a:headEnd/>
+                <a:tailEnd/>
+              </a14:hiddenLine>
+            </a:ext>
+          </a:extLst>
+        </p:spPr>
+        <p:txBody>
+          <a:bodyPr/>
+          <a:lstStyle>
+            <a:lvl1pPr>
+              <a:defRPr>
+                <a:solidFill>
+                  <a:schemeClr val="tx1"/>
+                </a:solidFill>
+                <a:latin typeface="Tahoma" panose="020B0604030504040204" pitchFamily="34" charset="0"/>
+              </a:defRPr>
+            </a:lvl1pPr>
+            <a:lvl2pPr marL="742950" indent="-285750">
+              <a:defRPr>
+                <a:solidFill>
+                  <a:schemeClr val="tx1"/>
+                </a:solidFill>
+                <a:latin typeface="Tahoma" panose="020B0604030504040204" pitchFamily="34" charset="0"/>
+              </a:defRPr>
+            </a:lvl2pPr>
+            <a:lvl3pPr marL="1143000" indent="-228600">
+              <a:defRPr>
+                <a:solidFill>
+                  <a:schemeClr val="tx1"/>
+                </a:solidFill>
+                <a:latin typeface="Tahoma" panose="020B0604030504040204" pitchFamily="34" charset="0"/>
+              </a:defRPr>
+            </a:lvl3pPr>
+            <a:lvl4pPr marL="1600200" indent="-228600">
+              <a:defRPr>
+                <a:solidFill>
+                  <a:schemeClr val="tx1"/>
+                </a:solidFill>
+                <a:latin typeface="Tahoma" panose="020B0604030504040204" pitchFamily="34" charset="0"/>
+              </a:defRPr>
+            </a:lvl4pPr>
+            <a:lvl5pPr marL="2057400" indent="-228600">
+              <a:defRPr>
+                <a:solidFill>
+                  <a:schemeClr val="tx1"/>
+                </a:solidFill>
+                <a:latin typeface="Tahoma" panose="020B0604030504040204" pitchFamily="34" charset="0"/>
+              </a:defRPr>
+            </a:lvl5pPr>
+            <a:lvl6pPr marL="2514600" indent="-228600" eaLnBrk="0" fontAlgn="base" hangingPunct="0">
+              <a:spcBef>
+                <a:spcPct val="0"/>
+              </a:spcBef>
+              <a:spcAft>
+                <a:spcPct val="0"/>
+              </a:spcAft>
+              <a:defRPr>
+                <a:solidFill>
+                  <a:schemeClr val="tx1"/>
+                </a:solidFill>
+                <a:latin typeface="Tahoma" panose="020B0604030504040204" pitchFamily="34" charset="0"/>
+              </a:defRPr>
+            </a:lvl6pPr>
+            <a:lvl7pPr marL="2971800" indent="-228600" eaLnBrk="0" fontAlgn="base" hangingPunct="0">
+              <a:spcBef>
+                <a:spcPct val="0"/>
+              </a:spcBef>
+              <a:spcAft>
+                <a:spcPct val="0"/>
+              </a:spcAft>
+              <a:defRPr>
+                <a:solidFill>
+                  <a:schemeClr val="tx1"/>
+                </a:solidFill>
+                <a:latin typeface="Tahoma" panose="020B0604030504040204" pitchFamily="34" charset="0"/>
+              </a:defRPr>
+            </a:lvl7pPr>
+            <a:lvl8pPr marL="3429000" indent="-228600" eaLnBrk="0" fontAlgn="base" hangingPunct="0">
+              <a:spcBef>
+                <a:spcPct val="0"/>
+              </a:spcBef>
+              <a:spcAft>
+                <a:spcPct val="0"/>
+              </a:spcAft>
+              <a:defRPr>
+                <a:solidFill>
+                  <a:schemeClr val="tx1"/>
+                </a:solidFill>
+                <a:latin typeface="Tahoma" panose="020B0604030504040204" pitchFamily="34" charset="0"/>
+              </a:defRPr>
+            </a:lvl8pPr>
+            <a:lvl9pPr marL="3886200" indent="-228600" eaLnBrk="0" fontAlgn="base" hangingPunct="0">
+              <a:spcBef>
+                <a:spcPct val="0"/>
+              </a:spcBef>
+              <a:spcAft>
+                <a:spcPct val="0"/>
+              </a:spcAft>
+              <a:defRPr>
+                <a:solidFill>
+                  <a:schemeClr val="tx1"/>
+                </a:solidFill>
+                <a:latin typeface="Tahoma" panose="020B0604030504040204" pitchFamily="34" charset="0"/>
+              </a:defRPr>
+            </a:lvl9pPr>
+          </a:lstStyle>
+          <a:p>
+            <a:fld id="{3A17EC48-D6F7-466B-8BEF-498B43FC988B}" type="slidenum">
+              <a:rPr lang="en-US" altLang="en-US"/>
+              <a:pPr/>
+              <a:t>2</a:t>
+            </a:fld>
+            <a:endParaRPr lang="en-US" altLang="en-US"/>
+          </a:p>
+        </p:txBody>
+      </p:sp>
+      <p:sp>
+        <p:nvSpPr>
+          <p:cNvPr id="19460" name="Rectangle 2">
+            <a:extLst>
+              <a:ext uri="{FF2B5EF4-FFF2-40B4-BE49-F238E27FC236}">
+                <a16:creationId xmlns:a16="http://schemas.microsoft.com/office/drawing/2014/main" id="{BDB632B0-A0BB-9AD4-E224-299CF4933193}"/>
+              </a:ext>
+            </a:extLst>
+          </p:cNvPr>
+          <p:cNvSpPr>
+            <a:spLocks noGrp="1" noChangeArrowheads="1"/>
+          </p:cNvSpPr>
+          <p:nvPr>
+            <p:ph type="title"/>
+          </p:nvPr>
+        </p:nvSpPr>
+        <p:spPr/>
+        <p:txBody>
+          <a:bodyPr/>
+          <a:lstStyle/>
+          <a:p>
+            <a:pPr eaLnBrk="1" hangingPunct="1"/>
+            <a:r>
+              <a:rPr lang="en-US" altLang="en-US" dirty="0">
+                <a:latin typeface="Times New Roman" panose="02020603050405020304" pitchFamily="18" charset="0"/>
+                <a:cs typeface="Times New Roman" panose="02020603050405020304" pitchFamily="18" charset="0"/>
+              </a:rPr>
+              <a:t>Content of This Lecture</a:t>
+            </a:r>
+          </a:p>
+        </p:txBody>
+      </p:sp>
+      <p:sp>
+        <p:nvSpPr>
+          <p:cNvPr id="19461" name="Rectangle 3">
+            <a:extLst>
+              <a:ext uri="{FF2B5EF4-FFF2-40B4-BE49-F238E27FC236}">
+                <a16:creationId xmlns:a16="http://schemas.microsoft.com/office/drawing/2014/main" id="{8DC79AF0-ACF1-7535-5A95-91503AB497BB}"/>
+              </a:ext>
+            </a:extLst>
+          </p:cNvPr>
+          <p:cNvSpPr>
+            <a:spLocks noGrp="1" noChangeArrowheads="1"/>
+          </p:cNvSpPr>
+          <p:nvPr>
+            <p:ph type="body" idx="1"/>
+          </p:nvPr>
+        </p:nvSpPr>
+        <p:spPr>
+          <a:xfrm>
+            <a:off x="680207" y="1464578"/>
+            <a:ext cx="8077200" cy="5029200"/>
+          </a:xfrm>
+        </p:spPr>
+        <p:txBody>
+          <a:bodyPr/>
+          <a:lstStyle/>
+          <a:p>
+            <a:pPr eaLnBrk="1" hangingPunct="1">
+              <a:buFont typeface="Arial" panose="020B0604020202020204" pitchFamily="34" charset="0"/>
+              <a:buChar char="•"/>
+            </a:pPr>
+            <a:r>
+              <a:rPr lang="en-US" altLang="en-US" sz="3600" dirty="0">
+                <a:latin typeface="Times New Roman" panose="02020603050405020304" pitchFamily="18" charset="0"/>
+                <a:cs typeface="Times New Roman" panose="02020603050405020304" pitchFamily="18" charset="0"/>
+              </a:rPr>
+              <a:t>Goals:</a:t>
+            </a:r>
+          </a:p>
+          <a:p>
+            <a:pPr lvl="1" eaLnBrk="1" hangingPunct="1"/>
+            <a:r>
+              <a:rPr lang="en-US" altLang="en-US" sz="3200" dirty="0">
+                <a:latin typeface="Times New Roman" panose="02020603050405020304" pitchFamily="18" charset="0"/>
+                <a:cs typeface="Times New Roman" panose="02020603050405020304" pitchFamily="18" charset="0"/>
+              </a:rPr>
+              <a:t>Introduction to Principles for Reasoning about Process operation research.</a:t>
+            </a:r>
+          </a:p>
+          <a:p>
+            <a:pPr marL="457200" lvl="1" indent="0" eaLnBrk="1" hangingPunct="1">
+              <a:buNone/>
+            </a:pPr>
+            <a:endParaRPr lang="en-US" altLang="en-US" sz="3600" dirty="0">
+              <a:latin typeface="Times New Roman" panose="02020603050405020304" pitchFamily="18" charset="0"/>
+              <a:cs typeface="Times New Roman" panose="02020603050405020304" pitchFamily="18" charset="0"/>
+            </a:endParaRPr>
+          </a:p>
+          <a:p>
+            <a:pPr eaLnBrk="1" hangingPunct="1">
+              <a:buFont typeface="Arial" panose="020B0604020202020204" pitchFamily="34" charset="0"/>
+              <a:buChar char="•"/>
+            </a:pPr>
+            <a:r>
+              <a:rPr lang="en-US" altLang="en-US" sz="3600" dirty="0">
+                <a:latin typeface="Times New Roman" panose="02020603050405020304" pitchFamily="18" charset="0"/>
+                <a:cs typeface="Times New Roman" panose="02020603050405020304" pitchFamily="18" charset="0"/>
+              </a:rPr>
+              <a:t>Things covered in this lecture:</a:t>
+            </a:r>
+          </a:p>
+          <a:p>
+            <a:pPr lvl="1" eaLnBrk="1" hangingPunct="1"/>
+            <a:r>
+              <a:rPr lang="en-US" altLang="en-US" sz="3200" dirty="0">
+                <a:latin typeface="Times New Roman" panose="02020603050405020304" pitchFamily="18" charset="0"/>
+                <a:cs typeface="Times New Roman" panose="02020603050405020304" pitchFamily="18" charset="0"/>
+              </a:rPr>
+              <a:t>Introduction to Poisson Process</a:t>
+            </a:r>
+          </a:p>
+        </p:txBody>
+      </p:sp>
+    </p:spTree>
+  </p:cSld>
+  <p:clrMapOvr>
+    <a:masterClrMapping/>
+  </p:clrMapOvr>
+</p:sld>
+</file>
+
+<file path=ppt/slides/slide20.xml><?xml version="1.0" encoding="utf-8"?>
 <p:sld xmlns:a="http://schemas.openxmlformats.org/drawingml/2006/main" xmlns:r="http://schemas.openxmlformats.org/officeDocument/2006/relationships" xmlns:p="http://schemas.openxmlformats.org/presentationml/2006/main">
   <p:cSld>
     <p:spTree>
@@ -11953,7 +13335,7 @@
             </a:pPr>
             <a:fld id="{488F146F-FF2E-4F52-8E87-0584C41863F6}" type="datetime5">
               <a:rPr lang="en-US" smtClean="0"/>
-              <a:t>17-Jul-23</a:t>
+              <a:t>20-Aug-23</a:t>
             </a:fld>
             <a:endParaRPr lang="en-US"/>
           </a:p>
@@ -12014,7 +13396,7 @@
             <a:fld id="{CE044D25-0416-42B9-9B68-64245915A2EA}" type="slidenum">
               <a:rPr lang="en-US" altLang="en-US" smtClean="0"/>
               <a:pPr/>
-              <a:t>16</a:t>
+              <a:t>20</a:t>
             </a:fld>
             <a:endParaRPr lang="en-US" altLang="en-US"/>
           </a:p>
@@ -12196,192 +13578,7 @@
 </p:sld>
 </file>
 
-<file path=ppt/slides/slide17.xml><?xml version="1.0" encoding="utf-8"?>
-<p:sld xmlns:a="http://schemas.openxmlformats.org/drawingml/2006/main" xmlns:r="http://schemas.openxmlformats.org/officeDocument/2006/relationships" xmlns:p="http://schemas.openxmlformats.org/presentationml/2006/main">
-  <p:cSld>
-    <p:spTree>
-      <p:nvGrpSpPr>
-        <p:cNvPr id="1" name=""/>
-        <p:cNvGrpSpPr/>
-        <p:nvPr/>
-      </p:nvGrpSpPr>
-      <p:grpSpPr>
-        <a:xfrm>
-          <a:off x="0" y="0"/>
-          <a:ext cx="0" cy="0"/>
-          <a:chOff x="0" y="0"/>
-          <a:chExt cx="0" cy="0"/>
-        </a:xfrm>
-      </p:grpSpPr>
-      <p:sp>
-        <p:nvSpPr>
-          <p:cNvPr id="31747" name="Content Placeholder 2">
-            <a:extLst>
-              <a:ext uri="{FF2B5EF4-FFF2-40B4-BE49-F238E27FC236}">
-                <a16:creationId xmlns:a16="http://schemas.microsoft.com/office/drawing/2014/main" id="{F66D631A-2485-3CCF-67B2-1D6CCC4F02F4}"/>
-              </a:ext>
-            </a:extLst>
-          </p:cNvPr>
-          <p:cNvSpPr>
-            <a:spLocks noGrp="1"/>
-          </p:cNvSpPr>
-          <p:nvPr>
-            <p:ph sz="quarter" idx="4294967295"/>
-          </p:nvPr>
-        </p:nvSpPr>
-        <p:spPr>
-          <a:xfrm>
-            <a:off x="685800" y="1676400"/>
-            <a:ext cx="8229600" cy="914400"/>
-          </a:xfrm>
-        </p:spPr>
-        <p:txBody>
-          <a:bodyPr/>
-          <a:lstStyle/>
-          <a:p>
-            <a:pPr marL="0" indent="0" algn="ctr" eaLnBrk="1" hangingPunct="1">
-              <a:buNone/>
-            </a:pPr>
-            <a:r>
-              <a:rPr lang="en-US" altLang="en-US" sz="6600" dirty="0">
-                <a:solidFill>
-                  <a:srgbClr val="FF0000"/>
-                </a:solidFill>
-                <a:latin typeface="Times New Roman" panose="02020603050405020304" pitchFamily="18" charset="0"/>
-                <a:cs typeface="Times New Roman" panose="02020603050405020304" pitchFamily="18" charset="0"/>
-              </a:rPr>
-              <a:t>Slide will be updated soon!</a:t>
-            </a:r>
-          </a:p>
-          <a:p>
-            <a:pPr marL="0" indent="0" algn="ctr" eaLnBrk="1" hangingPunct="1">
-              <a:buNone/>
-            </a:pPr>
-            <a:r>
-              <a:rPr lang="en-US" altLang="en-US" sz="3600" dirty="0">
-                <a:solidFill>
-                  <a:srgbClr val="FF0000"/>
-                </a:solidFill>
-                <a:latin typeface="Times New Roman" panose="02020603050405020304" pitchFamily="18" charset="0"/>
-                <a:cs typeface="Times New Roman" panose="02020603050405020304" pitchFamily="18" charset="0"/>
-              </a:rPr>
-              <a:t>The next section will be the “</a:t>
-            </a:r>
-            <a:r>
-              <a:rPr lang="en-US" altLang="en-US" sz="3600" dirty="0">
-                <a:solidFill>
-                  <a:srgbClr val="0070C0"/>
-                </a:solidFill>
-                <a:latin typeface="Times New Roman" panose="02020603050405020304" pitchFamily="18" charset="0"/>
-                <a:cs typeface="Times New Roman" panose="02020603050405020304" pitchFamily="18" charset="0"/>
-              </a:rPr>
-              <a:t>Markov chains and queuing systems.”</a:t>
-            </a:r>
-          </a:p>
-        </p:txBody>
-      </p:sp>
-      <p:sp>
-        <p:nvSpPr>
-          <p:cNvPr id="2" name="Date Placeholder 1">
-            <a:extLst>
-              <a:ext uri="{FF2B5EF4-FFF2-40B4-BE49-F238E27FC236}">
-                <a16:creationId xmlns:a16="http://schemas.microsoft.com/office/drawing/2014/main" id="{B1BEAC55-8CA5-627A-56CF-9DF2517A1F9C}"/>
-              </a:ext>
-            </a:extLst>
-          </p:cNvPr>
-          <p:cNvSpPr>
-            <a:spLocks noGrp="1"/>
-          </p:cNvSpPr>
-          <p:nvPr>
-            <p:ph type="dt" sz="half" idx="10"/>
-          </p:nvPr>
-        </p:nvSpPr>
-        <p:spPr/>
-        <p:txBody>
-          <a:bodyPr/>
-          <a:lstStyle/>
-          <a:p>
-            <a:pPr>
-              <a:defRPr/>
-            </a:pPr>
-            <a:fld id="{A8F9B13C-2719-4CF5-87D7-3A9DB7E11768}" type="datetime5">
-              <a:rPr lang="en-US" smtClean="0"/>
-              <a:t>17-Jul-23</a:t>
-            </a:fld>
-            <a:endParaRPr lang="en-US"/>
-          </a:p>
-        </p:txBody>
-      </p:sp>
-      <p:sp>
-        <p:nvSpPr>
-          <p:cNvPr id="3" name="Footer Placeholder 2">
-            <a:extLst>
-              <a:ext uri="{FF2B5EF4-FFF2-40B4-BE49-F238E27FC236}">
-                <a16:creationId xmlns:a16="http://schemas.microsoft.com/office/drawing/2014/main" id="{00EA32B6-41E8-6B6A-6B6E-6CCB9D8D13CF}"/>
-              </a:ext>
-            </a:extLst>
-          </p:cNvPr>
-          <p:cNvSpPr>
-            <a:spLocks noGrp="1"/>
-          </p:cNvSpPr>
-          <p:nvPr>
-            <p:ph type="ftr" sz="quarter" idx="11"/>
-          </p:nvPr>
-        </p:nvSpPr>
-        <p:spPr/>
-        <p:txBody>
-          <a:bodyPr/>
-          <a:lstStyle/>
-          <a:p>
-            <a:pPr>
-              <a:defRPr/>
-            </a:pPr>
-            <a:r>
-              <a:rPr lang="en-US"/>
-              <a:t>MP9510</a:t>
-            </a:r>
-          </a:p>
-        </p:txBody>
-      </p:sp>
-      <p:sp>
-        <p:nvSpPr>
-          <p:cNvPr id="4" name="Slide Number Placeholder 3">
-            <a:extLst>
-              <a:ext uri="{FF2B5EF4-FFF2-40B4-BE49-F238E27FC236}">
-                <a16:creationId xmlns:a16="http://schemas.microsoft.com/office/drawing/2014/main" id="{8176681B-1650-4227-CBA5-9A67FD8C0498}"/>
-              </a:ext>
-            </a:extLst>
-          </p:cNvPr>
-          <p:cNvSpPr>
-            <a:spLocks noGrp="1"/>
-          </p:cNvSpPr>
-          <p:nvPr>
-            <p:ph type="sldNum" sz="quarter" idx="12"/>
-          </p:nvPr>
-        </p:nvSpPr>
-        <p:spPr/>
-        <p:txBody>
-          <a:bodyPr/>
-          <a:lstStyle/>
-          <a:p>
-            <a:fld id="{CE044D25-0416-42B9-9B68-64245915A2EA}" type="slidenum">
-              <a:rPr lang="en-US" altLang="en-US" smtClean="0"/>
-              <a:pPr/>
-              <a:t>17</a:t>
-            </a:fld>
-            <a:endParaRPr lang="en-US" altLang="en-US"/>
-          </a:p>
-        </p:txBody>
-      </p:sp>
-    </p:spTree>
-  </p:cSld>
-  <p:clrMapOvr>
-    <a:masterClrMapping/>
-  </p:clrMapOvr>
-</p:sld>
-</file>
-
-<file path=ppt/slides/slide18.xml><?xml version="1.0" encoding="utf-8"?>
+<file path=ppt/slides/slide21.xml><?xml version="1.0" encoding="utf-8"?>
 <p:sld xmlns:a="http://schemas.openxmlformats.org/drawingml/2006/main" xmlns:r="http://schemas.openxmlformats.org/officeDocument/2006/relationships" xmlns:p="http://schemas.openxmlformats.org/presentationml/2006/main">
   <p:cSld>
     <p:spTree>
@@ -12547,7 +13744,7 @@
                   <a:srgbClr val="FFFFFF"/>
                 </a:solidFill>
               </a:rPr>
-              <a:t>17-Jul-23</a:t>
+              <a:t>20-Aug-23</a:t>
             </a:fld>
             <a:endParaRPr lang="en-US" altLang="en-US" sz="1400">
               <a:solidFill>
@@ -12586,7 +13783,7 @@
               <a:pPr>
                 <a:defRPr/>
               </a:pPr>
-              <a:t>18</a:t>
+              <a:t>21</a:t>
             </a:fld>
             <a:endParaRPr lang="en-US"/>
           </a:p>
@@ -13068,294 +14265,6 @@
 </p:sld>
 </file>
 
-<file path=ppt/slides/slide2.xml><?xml version="1.0" encoding="utf-8"?>
-<p:sld xmlns:a="http://schemas.openxmlformats.org/drawingml/2006/main" xmlns:r="http://schemas.openxmlformats.org/officeDocument/2006/relationships" xmlns:p="http://schemas.openxmlformats.org/presentationml/2006/main">
-  <p:cSld>
-    <p:spTree>
-      <p:nvGrpSpPr>
-        <p:cNvPr id="1" name=""/>
-        <p:cNvGrpSpPr/>
-        <p:nvPr/>
-      </p:nvGrpSpPr>
-      <p:grpSpPr>
-        <a:xfrm>
-          <a:off x="0" y="0"/>
-          <a:ext cx="0" cy="0"/>
-          <a:chOff x="0" y="0"/>
-          <a:chExt cx="0" cy="0"/>
-        </a:xfrm>
-      </p:grpSpPr>
-      <p:sp>
-        <p:nvSpPr>
-          <p:cNvPr id="19459" name="Slide Number Placeholder 5">
-            <a:extLst>
-              <a:ext uri="{FF2B5EF4-FFF2-40B4-BE49-F238E27FC236}">
-                <a16:creationId xmlns:a16="http://schemas.microsoft.com/office/drawing/2014/main" id="{DC93C3FB-ED9B-8D2C-4A8A-1D2D2CB28AFC}"/>
-              </a:ext>
-            </a:extLst>
-          </p:cNvPr>
-          <p:cNvSpPr>
-            <a:spLocks noGrp="1"/>
-          </p:cNvSpPr>
-          <p:nvPr>
-            <p:ph type="sldNum" sz="quarter" idx="12"/>
-          </p:nvPr>
-        </p:nvSpPr>
-        <p:spPr>
-          <a:noFill/>
-          <a:ln/>
-          <a:extLst>
-            <a:ext uri="{909E8E84-426E-40DD-AFC4-6F175D3DCCD1}">
-              <a14:hiddenFill xmlns:a14="http://schemas.microsoft.com/office/drawing/2010/main">
-                <a:solidFill>
-                  <a:srgbClr val="FFFFFF"/>
-                </a:solidFill>
-              </a14:hiddenFill>
-            </a:ext>
-            <a:ext uri="{91240B29-F687-4F45-9708-019B960494DF}">
-              <a14:hiddenLine xmlns:a14="http://schemas.microsoft.com/office/drawing/2010/main" w="9525">
-                <a:solidFill>
-                  <a:srgbClr val="000000"/>
-                </a:solidFill>
-                <a:miter lim="800000"/>
-                <a:headEnd/>
-                <a:tailEnd/>
-              </a14:hiddenLine>
-            </a:ext>
-          </a:extLst>
-        </p:spPr>
-        <p:txBody>
-          <a:bodyPr/>
-          <a:lstStyle>
-            <a:lvl1pPr>
-              <a:defRPr>
-                <a:solidFill>
-                  <a:schemeClr val="tx1"/>
-                </a:solidFill>
-                <a:latin typeface="Tahoma" panose="020B0604030504040204" pitchFamily="34" charset="0"/>
-              </a:defRPr>
-            </a:lvl1pPr>
-            <a:lvl2pPr marL="742950" indent="-285750">
-              <a:defRPr>
-                <a:solidFill>
-                  <a:schemeClr val="tx1"/>
-                </a:solidFill>
-                <a:latin typeface="Tahoma" panose="020B0604030504040204" pitchFamily="34" charset="0"/>
-              </a:defRPr>
-            </a:lvl2pPr>
-            <a:lvl3pPr marL="1143000" indent="-228600">
-              <a:defRPr>
-                <a:solidFill>
-                  <a:schemeClr val="tx1"/>
-                </a:solidFill>
-                <a:latin typeface="Tahoma" panose="020B0604030504040204" pitchFamily="34" charset="0"/>
-              </a:defRPr>
-            </a:lvl3pPr>
-            <a:lvl4pPr marL="1600200" indent="-228600">
-              <a:defRPr>
-                <a:solidFill>
-                  <a:schemeClr val="tx1"/>
-                </a:solidFill>
-                <a:latin typeface="Tahoma" panose="020B0604030504040204" pitchFamily="34" charset="0"/>
-              </a:defRPr>
-            </a:lvl4pPr>
-            <a:lvl5pPr marL="2057400" indent="-228600">
-              <a:defRPr>
-                <a:solidFill>
-                  <a:schemeClr val="tx1"/>
-                </a:solidFill>
-                <a:latin typeface="Tahoma" panose="020B0604030504040204" pitchFamily="34" charset="0"/>
-              </a:defRPr>
-            </a:lvl5pPr>
-            <a:lvl6pPr marL="2514600" indent="-228600" eaLnBrk="0" fontAlgn="base" hangingPunct="0">
-              <a:spcBef>
-                <a:spcPct val="0"/>
-              </a:spcBef>
-              <a:spcAft>
-                <a:spcPct val="0"/>
-              </a:spcAft>
-              <a:defRPr>
-                <a:solidFill>
-                  <a:schemeClr val="tx1"/>
-                </a:solidFill>
-                <a:latin typeface="Tahoma" panose="020B0604030504040204" pitchFamily="34" charset="0"/>
-              </a:defRPr>
-            </a:lvl6pPr>
-            <a:lvl7pPr marL="2971800" indent="-228600" eaLnBrk="0" fontAlgn="base" hangingPunct="0">
-              <a:spcBef>
-                <a:spcPct val="0"/>
-              </a:spcBef>
-              <a:spcAft>
-                <a:spcPct val="0"/>
-              </a:spcAft>
-              <a:defRPr>
-                <a:solidFill>
-                  <a:schemeClr val="tx1"/>
-                </a:solidFill>
-                <a:latin typeface="Tahoma" panose="020B0604030504040204" pitchFamily="34" charset="0"/>
-              </a:defRPr>
-            </a:lvl7pPr>
-            <a:lvl8pPr marL="3429000" indent="-228600" eaLnBrk="0" fontAlgn="base" hangingPunct="0">
-              <a:spcBef>
-                <a:spcPct val="0"/>
-              </a:spcBef>
-              <a:spcAft>
-                <a:spcPct val="0"/>
-              </a:spcAft>
-              <a:defRPr>
-                <a:solidFill>
-                  <a:schemeClr val="tx1"/>
-                </a:solidFill>
-                <a:latin typeface="Tahoma" panose="020B0604030504040204" pitchFamily="34" charset="0"/>
-              </a:defRPr>
-            </a:lvl8pPr>
-            <a:lvl9pPr marL="3886200" indent="-228600" eaLnBrk="0" fontAlgn="base" hangingPunct="0">
-              <a:spcBef>
-                <a:spcPct val="0"/>
-              </a:spcBef>
-              <a:spcAft>
-                <a:spcPct val="0"/>
-              </a:spcAft>
-              <a:defRPr>
-                <a:solidFill>
-                  <a:schemeClr val="tx1"/>
-                </a:solidFill>
-                <a:latin typeface="Tahoma" panose="020B0604030504040204" pitchFamily="34" charset="0"/>
-              </a:defRPr>
-            </a:lvl9pPr>
-          </a:lstStyle>
-          <a:p>
-            <a:fld id="{3A17EC48-D6F7-466B-8BEF-498B43FC988B}" type="slidenum">
-              <a:rPr lang="en-US" altLang="en-US"/>
-              <a:pPr/>
-              <a:t>2</a:t>
-            </a:fld>
-            <a:endParaRPr lang="en-US" altLang="en-US"/>
-          </a:p>
-        </p:txBody>
-      </p:sp>
-      <p:sp>
-        <p:nvSpPr>
-          <p:cNvPr id="19460" name="Rectangle 2">
-            <a:extLst>
-              <a:ext uri="{FF2B5EF4-FFF2-40B4-BE49-F238E27FC236}">
-                <a16:creationId xmlns:a16="http://schemas.microsoft.com/office/drawing/2014/main" id="{BDB632B0-A0BB-9AD4-E224-299CF4933193}"/>
-              </a:ext>
-            </a:extLst>
-          </p:cNvPr>
-          <p:cNvSpPr>
-            <a:spLocks noGrp="1" noChangeArrowheads="1"/>
-          </p:cNvSpPr>
-          <p:nvPr>
-            <p:ph type="title"/>
-          </p:nvPr>
-        </p:nvSpPr>
-        <p:spPr/>
-        <p:txBody>
-          <a:bodyPr/>
-          <a:lstStyle/>
-          <a:p>
-            <a:pPr eaLnBrk="1" hangingPunct="1"/>
-            <a:r>
-              <a:rPr lang="en-US" altLang="en-US" dirty="0">
-                <a:latin typeface="Times New Roman" panose="02020603050405020304" pitchFamily="18" charset="0"/>
-                <a:cs typeface="Times New Roman" panose="02020603050405020304" pitchFamily="18" charset="0"/>
-              </a:rPr>
-              <a:t>Content of This Lecture</a:t>
-            </a:r>
-          </a:p>
-        </p:txBody>
-      </p:sp>
-      <p:sp>
-        <p:nvSpPr>
-          <p:cNvPr id="19461" name="Rectangle 3">
-            <a:extLst>
-              <a:ext uri="{FF2B5EF4-FFF2-40B4-BE49-F238E27FC236}">
-                <a16:creationId xmlns:a16="http://schemas.microsoft.com/office/drawing/2014/main" id="{8DC79AF0-ACF1-7535-5A95-91503AB497BB}"/>
-              </a:ext>
-            </a:extLst>
-          </p:cNvPr>
-          <p:cNvSpPr>
-            <a:spLocks noGrp="1" noChangeArrowheads="1"/>
-          </p:cNvSpPr>
-          <p:nvPr>
-            <p:ph type="body" idx="1"/>
-          </p:nvPr>
-        </p:nvSpPr>
-        <p:spPr>
-          <a:xfrm>
-            <a:off x="680207" y="1464578"/>
-            <a:ext cx="8077200" cy="5029200"/>
-          </a:xfrm>
-        </p:spPr>
-        <p:txBody>
-          <a:bodyPr/>
-          <a:lstStyle/>
-          <a:p>
-            <a:pPr eaLnBrk="1" hangingPunct="1">
-              <a:buFont typeface="Arial" panose="020B0604020202020204" pitchFamily="34" charset="0"/>
-              <a:buChar char="•"/>
-            </a:pPr>
-            <a:r>
-              <a:rPr lang="en-US" altLang="en-US" sz="3600" dirty="0">
-                <a:latin typeface="Times New Roman" panose="02020603050405020304" pitchFamily="18" charset="0"/>
-                <a:cs typeface="Times New Roman" panose="02020603050405020304" pitchFamily="18" charset="0"/>
-              </a:rPr>
-              <a:t>Goals:</a:t>
-            </a:r>
-          </a:p>
-          <a:p>
-            <a:pPr lvl="1" eaLnBrk="1" hangingPunct="1"/>
-            <a:r>
-              <a:rPr lang="en-US" altLang="en-US" sz="3200" dirty="0">
-                <a:latin typeface="Times New Roman" panose="02020603050405020304" pitchFamily="18" charset="0"/>
-                <a:cs typeface="Times New Roman" panose="02020603050405020304" pitchFamily="18" charset="0"/>
-              </a:rPr>
-              <a:t>Introduction to Principles for Reasoning about Process operation research.</a:t>
-            </a:r>
-          </a:p>
-          <a:p>
-            <a:pPr marL="457200" lvl="1" indent="0" eaLnBrk="1" hangingPunct="1">
-              <a:buNone/>
-            </a:pPr>
-            <a:endParaRPr lang="en-US" altLang="en-US" sz="3600" dirty="0">
-              <a:latin typeface="Times New Roman" panose="02020603050405020304" pitchFamily="18" charset="0"/>
-              <a:cs typeface="Times New Roman" panose="02020603050405020304" pitchFamily="18" charset="0"/>
-            </a:endParaRPr>
-          </a:p>
-          <a:p>
-            <a:pPr eaLnBrk="1" hangingPunct="1">
-              <a:buFont typeface="Arial" panose="020B0604020202020204" pitchFamily="34" charset="0"/>
-              <a:buChar char="•"/>
-            </a:pPr>
-            <a:r>
-              <a:rPr lang="en-US" altLang="en-US" sz="3600" dirty="0">
-                <a:latin typeface="Times New Roman" panose="02020603050405020304" pitchFamily="18" charset="0"/>
-                <a:cs typeface="Times New Roman" panose="02020603050405020304" pitchFamily="18" charset="0"/>
-              </a:rPr>
-              <a:t>Things covered in this lecture:</a:t>
-            </a:r>
-          </a:p>
-          <a:p>
-            <a:pPr lvl="1" eaLnBrk="1" hangingPunct="1"/>
-            <a:r>
-              <a:rPr lang="en-US" altLang="en-US" sz="3200" dirty="0">
-                <a:latin typeface="Times New Roman" panose="02020603050405020304" pitchFamily="18" charset="0"/>
-                <a:cs typeface="Times New Roman" panose="02020603050405020304" pitchFamily="18" charset="0"/>
-              </a:rPr>
-              <a:t>Introduction to Poisson Process</a:t>
-            </a:r>
-          </a:p>
-        </p:txBody>
-      </p:sp>
-    </p:spTree>
-  </p:cSld>
-  <p:clrMapOvr>
-    <a:masterClrMapping/>
-  </p:clrMapOvr>
-</p:sld>
-</file>
-
 <file path=ppt/slides/slide3.xml><?xml version="1.0" encoding="utf-8"?>
 <p:sld xmlns:a="http://schemas.openxmlformats.org/drawingml/2006/main" xmlns:r="http://schemas.openxmlformats.org/officeDocument/2006/relationships" xmlns:p="http://schemas.openxmlformats.org/presentationml/2006/main">
   <p:cSld>
@@ -13399,7 +14308,7 @@
             </a:pPr>
             <a:fld id="{301F0092-F3AA-4514-B9CE-767B49BD2002}" type="datetime5">
               <a:rPr lang="en-US" smtClean="0"/>
-              <a:t>17-Jul-23</a:t>
+              <a:t>20-Aug-23</a:t>
             </a:fld>
             <a:endParaRPr lang="en-US" dirty="0"/>
           </a:p>
@@ -13830,7 +14739,7 @@
             </a:pPr>
             <a:fld id="{488F146F-FF2E-4F52-8E87-0584C41863F6}" type="datetime5">
               <a:rPr lang="en-US" smtClean="0"/>
-              <a:t>17-Jul-23</a:t>
+              <a:t>20-Aug-23</a:t>
             </a:fld>
             <a:endParaRPr lang="en-US"/>
           </a:p>
@@ -13989,7 +14898,7 @@
             </a:pPr>
             <a:fld id="{488F146F-FF2E-4F52-8E87-0584C41863F6}" type="datetime5">
               <a:rPr lang="en-US" smtClean="0"/>
-              <a:t>17-Jul-23</a:t>
+              <a:t>20-Aug-23</a:t>
             </a:fld>
             <a:endParaRPr lang="en-US"/>
           </a:p>
@@ -14148,7 +15057,7 @@
             </a:pPr>
             <a:fld id="{488F146F-FF2E-4F52-8E87-0584C41863F6}" type="datetime5">
               <a:rPr lang="en-US" smtClean="0"/>
-              <a:t>17-Jul-23</a:t>
+              <a:t>20-Aug-23</a:t>
             </a:fld>
             <a:endParaRPr lang="en-US"/>
           </a:p>
@@ -14307,7 +15216,7 @@
             </a:pPr>
             <a:fld id="{488F146F-FF2E-4F52-8E87-0584C41863F6}" type="datetime5">
               <a:rPr lang="en-US" smtClean="0"/>
-              <a:t>17-Jul-23</a:t>
+              <a:t>20-Aug-23</a:t>
             </a:fld>
             <a:endParaRPr lang="en-US"/>
           </a:p>
@@ -14466,7 +15375,7 @@
             </a:pPr>
             <a:fld id="{488F146F-FF2E-4F52-8E87-0584C41863F6}" type="datetime5">
               <a:rPr lang="en-US" smtClean="0"/>
-              <a:t>17-Jul-23</a:t>
+              <a:t>20-Aug-23</a:t>
             </a:fld>
             <a:endParaRPr lang="en-US"/>
           </a:p>
@@ -14625,7 +15534,7 @@
             </a:pPr>
             <a:fld id="{488F146F-FF2E-4F52-8E87-0584C41863F6}" type="datetime5">
               <a:rPr lang="en-US" smtClean="0"/>
-              <a:t>17-Jul-23</a:t>
+              <a:t>20-Aug-23</a:t>
             </a:fld>
             <a:endParaRPr lang="en-US"/>
           </a:p>
@@ -15965,6 +16874,15 @@
 </file>
 
 <file path=customXml/item1.xml><?xml version="1.0" encoding="utf-8"?>
+<?mso-contentType ?>
+<FormTemplates xmlns="http://schemas.microsoft.com/sharepoint/v3/contenttype/forms">
+  <Display>DocumentLibraryForm</Display>
+  <Edit>DocumentLibraryForm</Edit>
+  <New>DocumentLibraryForm</New>
+</FormTemplates>
+</file>
+
+<file path=customXml/item2.xml><?xml version="1.0" encoding="utf-8"?>
 <p:properties xmlns:p="http://schemas.microsoft.com/office/2006/metadata/properties" xmlns:xsi="http://www.w3.org/2001/XMLSchema-instance" xmlns:pc="http://schemas.microsoft.com/office/infopath/2007/PartnerControls">
   <documentManagement>
     <Category xmlns="bf5d8e01-3469-424b-a99f-aebece4109cc" xsi:nil="true"/>
@@ -15976,20 +16894,7 @@
 </p:properties>
 </file>
 
-<file path=customXml/item2.xml><?xml version="1.0" encoding="utf-8"?>
-<?mso-contentType ?>
-<FormTemplates xmlns="http://schemas.microsoft.com/sharepoint/v3/contenttype/forms">
-  <Display>DocumentLibraryForm</Display>
-  <Edit>DocumentLibraryForm</Edit>
-  <New>DocumentLibraryForm</New>
-</FormTemplates>
-</file>
-
 <file path=customXml/item3.xml><?xml version="1.0" encoding="utf-8"?>
-<LongProperties xmlns="http://schemas.microsoft.com/office/2006/metadata/longProperties"/>
-</file>
-
-<file path=customXml/item4.xml><?xml version="1.0" encoding="utf-8"?>
 <ct:contentTypeSchema xmlns:ct="http://schemas.microsoft.com/office/2006/metadata/contentType" xmlns:ma="http://schemas.microsoft.com/office/2006/metadata/properties/metaAttributes" ct:_="" ma:_="" ma:contentTypeName="Document" ma:contentTypeID="0x0101005E427A54F31A0A40B24E68534CA397A9" ma:contentTypeVersion="5" ma:contentTypeDescription="Create a new document." ma:contentTypeScope="" ma:versionID="6e55f38e83ff9f4e2408c36b7274c303">
   <xsd:schema xmlns:xsd="http://www.w3.org/2001/XMLSchema" xmlns:p="http://schemas.microsoft.com/office/2006/metadata/properties" xmlns:ns1="http://schemas.microsoft.com/sharepoint/v3" xmlns:ns2="bf5d8e01-3469-424b-a99f-aebece4109cc" targetNamespace="http://schemas.microsoft.com/office/2006/metadata/properties" ma:root="true" ma:fieldsID="7ab31d669882eb0aed4dab590af8eda7" ns1:_="" ns2:_="">
     <xsd:import namespace="http://schemas.microsoft.com/sharepoint/v3"/>
@@ -16079,7 +16984,19 @@
 </ct:contentTypeSchema>
 </file>
 
+<file path=customXml/item4.xml><?xml version="1.0" encoding="utf-8"?>
+<LongProperties xmlns="http://schemas.microsoft.com/office/2006/metadata/longProperties"/>
+</file>
+
 <file path=customXml/itemProps1.xml><?xml version="1.0" encoding="utf-8"?>
+<ds:datastoreItem xmlns:ds="http://schemas.openxmlformats.org/officeDocument/2006/customXml" ds:itemID="{CCB750D9-4092-4543-85F4-1D10C63A5BC3}">
+  <ds:schemaRefs>
+    <ds:schemaRef ds:uri="http://schemas.microsoft.com/sharepoint/v3/contenttype/forms"/>
+  </ds:schemaRefs>
+</ds:datastoreItem>
+</file>
+
+<file path=customXml/itemProps2.xml><?xml version="1.0" encoding="utf-8"?>
 <ds:datastoreItem xmlns:ds="http://schemas.openxmlformats.org/officeDocument/2006/customXml" ds:itemID="{A5B33C2D-BF8F-42B7-B037-499217EC9176}">
   <ds:schemaRefs>
     <ds:schemaRef ds:uri="http://purl.org/dc/dcmitype/"/>
@@ -16096,23 +17013,7 @@
 </ds:datastoreItem>
 </file>
 
-<file path=customXml/itemProps2.xml><?xml version="1.0" encoding="utf-8"?>
-<ds:datastoreItem xmlns:ds="http://schemas.openxmlformats.org/officeDocument/2006/customXml" ds:itemID="{CCB750D9-4092-4543-85F4-1D10C63A5BC3}">
-  <ds:schemaRefs>
-    <ds:schemaRef ds:uri="http://schemas.microsoft.com/sharepoint/v3/contenttype/forms"/>
-  </ds:schemaRefs>
-</ds:datastoreItem>
-</file>
-
 <file path=customXml/itemProps3.xml><?xml version="1.0" encoding="utf-8"?>
-<ds:datastoreItem xmlns:ds="http://schemas.openxmlformats.org/officeDocument/2006/customXml" ds:itemID="{FA51EFFA-48F7-4B61-AD8B-2408BC7CD519}">
-  <ds:schemaRefs>
-    <ds:schemaRef ds:uri="http://schemas.microsoft.com/office/2006/metadata/longProperties"/>
-  </ds:schemaRefs>
-</ds:datastoreItem>
-</file>
-
-<file path=customXml/itemProps4.xml><?xml version="1.0" encoding="utf-8"?>
 <ds:datastoreItem xmlns:ds="http://schemas.openxmlformats.org/officeDocument/2006/customXml" ds:itemID="{8F7079F1-4F5E-417C-8771-BC4209F86B61}">
   <ds:schemaRefs>
     <ds:schemaRef ds:uri="http://schemas.microsoft.com/office/2006/metadata/contentType"/>
@@ -16128,4 +17029,12 @@
     <ds:schemaRef ds:uri="http://schemas.microsoft.com/office/internal/2005/internalDocumentation"/>
   </ds:schemaRefs>
 </ds:datastoreItem>
+</file>
+
+<file path=customXml/itemProps4.xml><?xml version="1.0" encoding="utf-8"?>
+<ds:datastoreItem xmlns:ds="http://schemas.openxmlformats.org/officeDocument/2006/customXml" ds:itemID="{FA51EFFA-48F7-4B61-AD8B-2408BC7CD519}">
+  <ds:schemaRefs>
+    <ds:schemaRef ds:uri="http://schemas.microsoft.com/office/2006/metadata/longProperties"/>
+  </ds:schemaRefs>
+</ds:datastoreItem>
 </file>